--- a/Capstone_Assignment_Presentation.pptx
+++ b/Capstone_Assignment_Presentation.pptx
@@ -11,9 +11,13 @@
     <p:sldId id="258" r:id="rId5"/>
     <p:sldId id="260" r:id="rId6"/>
     <p:sldId id="261" r:id="rId7"/>
-    <p:sldId id="262" r:id="rId8"/>
-    <p:sldId id="263" r:id="rId9"/>
-    <p:sldId id="264" r:id="rId10"/>
+    <p:sldId id="265" r:id="rId8"/>
+    <p:sldId id="267" r:id="rId9"/>
+    <p:sldId id="268" r:id="rId10"/>
+    <p:sldId id="269" r:id="rId11"/>
+    <p:sldId id="262" r:id="rId12"/>
+    <p:sldId id="263" r:id="rId13"/>
+    <p:sldId id="264" r:id="rId14"/>
   </p:sldIdLst>
   <p:sldSz cx="9144000" cy="6858000" type="screen4x3"/>
   <p:notesSz cx="6858000" cy="9144000"/>
@@ -3226,7 +3230,7 @@
 </p:sld>
 </file>
 
-<file path=ppt/slides/slide2.xml><?xml version="1.0" encoding="utf-8"?>
+<file path=ppt/slides/slide10.xml><?xml version="1.0" encoding="utf-8"?>
 <p:sld xmlns:a="http://schemas.openxmlformats.org/drawingml/2006/main" xmlns:r="http://schemas.openxmlformats.org/officeDocument/2006/relationships" xmlns:p="http://schemas.openxmlformats.org/presentationml/2006/main">
   <p:cSld>
     <p:spTree>
@@ -3253,13 +3257,20 @@
             <p:ph type="title"/>
           </p:nvPr>
         </p:nvSpPr>
-        <p:spPr/>
-        <p:txBody>
-          <a:bodyPr/>
-          <a:lstStyle/>
-          <a:p>
-            <a:r>
-              <a:rPr lang="en-US" dirty="0" smtClean="0">
+        <p:spPr>
+          <a:xfrm>
+            <a:off x="457200" y="76200"/>
+            <a:ext cx="8229600" cy="792162"/>
+          </a:xfrm>
+        </p:spPr>
+        <p:txBody>
+          <a:bodyPr>
+            <a:normAutofit/>
+          </a:bodyPr>
+          <a:lstStyle/>
+          <a:p>
+            <a:r>
+              <a:rPr lang="en-CA" sz="2800" dirty="0" smtClean="0">
                 <a:solidFill>
                   <a:schemeClr val="tx2">
                     <a:lumMod val="60000"/>
@@ -3267,91 +3278,237 @@
                   </a:schemeClr>
                 </a:solidFill>
               </a:rPr>
-              <a:t>An introduction of the problem.</a:t>
-            </a:r>
-            <a:endParaRPr lang="en-CA" dirty="0">
+              <a:t>Cluster 4 – Casual Bars</a:t>
+            </a:r>
+            <a:endParaRPr lang="en-CA" sz="2800" dirty="0"/>
+          </a:p>
+        </p:txBody>
+      </p:sp>
+      <p:sp>
+        <p:nvSpPr>
+          <p:cNvPr id="3" name="Content Placeholder 2"/>
+          <p:cNvSpPr>
+            <a:spLocks noGrp="1"/>
+          </p:cNvSpPr>
+          <p:nvPr>
+            <p:ph idx="1"/>
+          </p:nvPr>
+        </p:nvSpPr>
+        <p:spPr>
+          <a:xfrm>
+            <a:off x="457200" y="838200"/>
+            <a:ext cx="8229600" cy="5486400"/>
+          </a:xfrm>
+        </p:spPr>
+        <p:txBody>
+          <a:bodyPr>
+            <a:normAutofit/>
+          </a:bodyPr>
+          <a:lstStyle/>
+          <a:p>
+            <a:endParaRPr lang="en-CA" sz="1500" dirty="0" smtClean="0"/>
+          </a:p>
+          <a:p>
+            <a:endParaRPr lang="en-CA" sz="1500" dirty="0" smtClean="0"/>
+          </a:p>
+          <a:p>
+            <a:endParaRPr lang="en-CA" sz="1500" dirty="0"/>
+          </a:p>
+          <a:p>
+            <a:endParaRPr lang="en-CA" sz="1500" dirty="0" smtClean="0"/>
+          </a:p>
+          <a:p>
+            <a:endParaRPr lang="en-CA" sz="1500" dirty="0" smtClean="0"/>
+          </a:p>
+          <a:p>
+            <a:endParaRPr lang="en-CA" sz="1500" dirty="0"/>
+          </a:p>
+          <a:p>
+            <a:endParaRPr lang="en-CA" sz="1500" dirty="0" smtClean="0"/>
+          </a:p>
+          <a:p>
+            <a:endParaRPr lang="en-CA" sz="1500" dirty="0"/>
+          </a:p>
+          <a:p>
+            <a:endParaRPr lang="en-CA" sz="1500" dirty="0" smtClean="0"/>
+          </a:p>
+          <a:p>
+            <a:endParaRPr lang="en-CA" sz="1500" dirty="0" smtClean="0"/>
+          </a:p>
+          <a:p>
+            <a:endParaRPr lang="en-CA" sz="1500" dirty="0"/>
+          </a:p>
+          <a:p>
+            <a:endParaRPr lang="en-CA" dirty="0"/>
+          </a:p>
+          <a:p>
+            <a:endParaRPr lang="en-CA" dirty="0" smtClean="0"/>
+          </a:p>
+          <a:p>
+            <a:endParaRPr lang="en-CA" dirty="0" smtClean="0"/>
+          </a:p>
+          <a:p>
+            <a:endParaRPr lang="en-CA" dirty="0"/>
+          </a:p>
+        </p:txBody>
+      </p:sp>
+      <p:pic>
+        <p:nvPicPr>
+          <p:cNvPr id="5122" name="Picture 2"/>
+          <p:cNvPicPr>
+            <a:picLocks noChangeAspect="1" noChangeArrowheads="1"/>
+          </p:cNvPicPr>
+          <p:nvPr/>
+        </p:nvPicPr>
+        <p:blipFill>
+          <a:blip r:embed="rId2">
+            <a:extLst>
+              <a:ext uri="{28A0092B-C50C-407E-A947-70E740481C1C}">
+                <a14:useLocalDpi xmlns:a14="http://schemas.microsoft.com/office/drawing/2010/main" val="0"/>
+              </a:ext>
+            </a:extLst>
+          </a:blip>
+          <a:srcRect/>
+          <a:stretch>
+            <a:fillRect/>
+          </a:stretch>
+        </p:blipFill>
+        <p:spPr bwMode="auto">
+          <a:xfrm>
+            <a:off x="455696" y="914400"/>
+            <a:ext cx="8248650" cy="2762250"/>
+          </a:xfrm>
+          <a:prstGeom prst="rect">
+            <a:avLst/>
+          </a:prstGeom>
+          <a:noFill/>
+          <a:ln>
+            <a:noFill/>
+          </a:ln>
+          <a:extLst>
+            <a:ext uri="{909E8E84-426E-40DD-AFC4-6F175D3DCCD1}">
+              <a14:hiddenFill xmlns:a14="http://schemas.microsoft.com/office/drawing/2010/main">
+                <a:solidFill>
+                  <a:schemeClr val="accent1"/>
+                </a:solidFill>
+              </a14:hiddenFill>
+            </a:ext>
+            <a:ext uri="{91240B29-F687-4F45-9708-019B960494DF}">
+              <a14:hiddenLine xmlns:a14="http://schemas.microsoft.com/office/drawing/2010/main" w="9525">
+                <a:solidFill>
+                  <a:schemeClr val="tx1"/>
+                </a:solidFill>
+                <a:miter lim="800000"/>
+                <a:headEnd/>
+                <a:tailEnd/>
+              </a14:hiddenLine>
+            </a:ext>
+          </a:extLst>
+        </p:spPr>
+      </p:pic>
+      <p:sp>
+        <p:nvSpPr>
+          <p:cNvPr id="4" name="Rectangle 3"/>
+          <p:cNvSpPr/>
+          <p:nvPr/>
+        </p:nvSpPr>
+        <p:spPr>
+          <a:xfrm>
+            <a:off x="455696" y="3773269"/>
+            <a:ext cx="8248650" cy="584775"/>
+          </a:xfrm>
+          <a:prstGeom prst="rect">
+            <a:avLst/>
+          </a:prstGeom>
+        </p:spPr>
+        <p:txBody>
+          <a:bodyPr wrap="square">
+            <a:spAutoFit/>
+          </a:bodyPr>
+          <a:lstStyle/>
+          <a:p>
+            <a:pPr marL="285750" indent="-285750">
+              <a:buFont typeface="Arial" panose="020B0604020202020204" pitchFamily="34" charset="0"/>
+              <a:buChar char="•"/>
+            </a:pPr>
+            <a:r>
+              <a:rPr lang="en-US" sz="1600" dirty="0" smtClean="0">
+                <a:solidFill>
+                  <a:schemeClr val="accent6">
+                    <a:lumMod val="75000"/>
+                  </a:schemeClr>
+                </a:solidFill>
+              </a:rPr>
+              <a:t>Then, loaded in the Wellbeing information and calculated the overall score with a weighted crime value.</a:t>
+            </a:r>
+            <a:endParaRPr lang="en-CA" sz="1600" dirty="0">
               <a:solidFill>
-                <a:schemeClr val="tx2">
-                  <a:lumMod val="60000"/>
-                  <a:lumOff val="40000"/>
+                <a:schemeClr val="accent6">
+                  <a:lumMod val="75000"/>
                 </a:schemeClr>
               </a:solidFill>
             </a:endParaRPr>
           </a:p>
         </p:txBody>
       </p:sp>
-      <p:sp>
-        <p:nvSpPr>
-          <p:cNvPr id="3" name="Content Placeholder 2"/>
-          <p:cNvSpPr>
-            <a:spLocks noGrp="1"/>
-          </p:cNvSpPr>
-          <p:nvPr>
-            <p:ph idx="1"/>
-          </p:nvPr>
-        </p:nvSpPr>
-        <p:spPr>
+      <p:pic>
+        <p:nvPicPr>
+          <p:cNvPr id="5124" name="Picture 4"/>
+          <p:cNvPicPr>
+            <a:picLocks noChangeAspect="1" noChangeArrowheads="1"/>
+          </p:cNvPicPr>
+          <p:nvPr/>
+        </p:nvPicPr>
+        <p:blipFill>
+          <a:blip r:embed="rId3">
+            <a:extLst>
+              <a:ext uri="{28A0092B-C50C-407E-A947-70E740481C1C}">
+                <a14:useLocalDpi xmlns:a14="http://schemas.microsoft.com/office/drawing/2010/main" val="0"/>
+              </a:ext>
+            </a:extLst>
+          </a:blip>
+          <a:srcRect/>
+          <a:stretch>
+            <a:fillRect/>
+          </a:stretch>
+        </p:blipFill>
+        <p:spPr bwMode="auto">
           <a:xfrm>
-            <a:off x="457200" y="1295400"/>
-            <a:ext cx="8229600" cy="5181600"/>
+            <a:off x="533400" y="4328366"/>
+            <a:ext cx="7162800" cy="1628775"/>
           </a:xfrm>
+          <a:prstGeom prst="rect">
+            <a:avLst/>
+          </a:prstGeom>
+          <a:noFill/>
+          <a:ln>
+            <a:noFill/>
+          </a:ln>
+          <a:extLst>
+            <a:ext uri="{909E8E84-426E-40DD-AFC4-6F175D3DCCD1}">
+              <a14:hiddenFill xmlns:a14="http://schemas.microsoft.com/office/drawing/2010/main">
+                <a:solidFill>
+                  <a:schemeClr val="accent1"/>
+                </a:solidFill>
+              </a14:hiddenFill>
+            </a:ext>
+            <a:ext uri="{91240B29-F687-4F45-9708-019B960494DF}">
+              <a14:hiddenLine xmlns:a14="http://schemas.microsoft.com/office/drawing/2010/main" w="9525">
+                <a:solidFill>
+                  <a:schemeClr val="tx1"/>
+                </a:solidFill>
+                <a:miter lim="800000"/>
+                <a:headEnd/>
+                <a:tailEnd/>
+              </a14:hiddenLine>
+            </a:ext>
+          </a:extLst>
         </p:spPr>
-        <p:txBody>
-          <a:bodyPr>
-            <a:normAutofit fontScale="77500" lnSpcReduction="20000"/>
-          </a:bodyPr>
-          <a:lstStyle/>
-          <a:p>
-            <a:r>
-              <a:rPr lang="en-US" dirty="0" smtClean="0"/>
-              <a:t>Toronto is a vibrant city with many diverse cultures and a booming economy. </a:t>
-            </a:r>
-          </a:p>
-          <a:p>
-            <a:endParaRPr lang="en-US" dirty="0" smtClean="0"/>
-          </a:p>
-          <a:p>
-            <a:r>
-              <a:rPr lang="en-US" dirty="0" smtClean="0"/>
-              <a:t>The citizens of Toronto work hard, have busy lives, and look forward to time for socializing and relaxing. </a:t>
-            </a:r>
-          </a:p>
-          <a:p>
-            <a:r>
-              <a:rPr lang="en-US" dirty="0" smtClean="0"/>
-              <a:t>The bars in the Toronto are cater to many in its various neighborhoods. </a:t>
-            </a:r>
-          </a:p>
-          <a:p>
-            <a:endParaRPr lang="en-US" dirty="0" smtClean="0"/>
-          </a:p>
-          <a:p>
-            <a:r>
-              <a:rPr lang="en-US" dirty="0" smtClean="0"/>
-              <a:t>Opening a bar in Toronto can be very risky so due diligence and planning is highly recommended to mitigate the risks. </a:t>
-            </a:r>
-          </a:p>
-          <a:p>
-            <a:endParaRPr lang="en-US" dirty="0" smtClean="0"/>
-          </a:p>
-          <a:p>
-            <a:r>
-              <a:rPr lang="en-US" dirty="0" smtClean="0"/>
-              <a:t>One of the highest value items in the due diligence review is location. </a:t>
-            </a:r>
-          </a:p>
-          <a:p>
-            <a:pPr marL="0" indent="0">
-              <a:buNone/>
-            </a:pPr>
-            <a:endParaRPr lang="en-US" dirty="0" smtClean="0"/>
-          </a:p>
-        </p:txBody>
-      </p:sp>
+      </p:pic>
     </p:spTree>
     <p:extLst>
       <p:ext uri="{BB962C8B-B14F-4D97-AF65-F5344CB8AC3E}">
-        <p14:creationId xmlns:p14="http://schemas.microsoft.com/office/powerpoint/2010/main" val="1740294457"/>
+        <p14:creationId xmlns:p14="http://schemas.microsoft.com/office/powerpoint/2010/main" val="3917246640"/>
       </p:ext>
     </p:extLst>
   </p:cSld>
@@ -3361,7 +3518,7 @@
 </p:sld>
 </file>
 
-<file path=ppt/slides/slide3.xml><?xml version="1.0" encoding="utf-8"?>
+<file path=ppt/slides/slide11.xml><?xml version="1.0" encoding="utf-8"?>
 <p:sld xmlns:a="http://schemas.openxmlformats.org/drawingml/2006/main" xmlns:r="http://schemas.openxmlformats.org/officeDocument/2006/relationships" xmlns:p="http://schemas.openxmlformats.org/presentationml/2006/main">
   <p:cSld>
     <p:spTree>
@@ -3390,739 +3547,6 @@
         </p:nvSpPr>
         <p:spPr/>
         <p:txBody>
-          <a:bodyPr/>
-          <a:lstStyle/>
-          <a:p>
-            <a:r>
-              <a:rPr lang="en-US" dirty="0" smtClean="0">
-                <a:solidFill>
-                  <a:schemeClr val="tx2">
-                    <a:lumMod val="60000"/>
-                    <a:lumOff val="40000"/>
-                  </a:schemeClr>
-                </a:solidFill>
-              </a:rPr>
-              <a:t>An introduction of the problem.</a:t>
-            </a:r>
-            <a:endParaRPr lang="en-CA" dirty="0">
-              <a:solidFill>
-                <a:schemeClr val="tx2">
-                  <a:lumMod val="60000"/>
-                  <a:lumOff val="40000"/>
-                </a:schemeClr>
-              </a:solidFill>
-            </a:endParaRPr>
-          </a:p>
-        </p:txBody>
-      </p:sp>
-      <p:sp>
-        <p:nvSpPr>
-          <p:cNvPr id="3" name="Content Placeholder 2"/>
-          <p:cNvSpPr>
-            <a:spLocks noGrp="1"/>
-          </p:cNvSpPr>
-          <p:nvPr>
-            <p:ph idx="1"/>
-          </p:nvPr>
-        </p:nvSpPr>
-        <p:spPr/>
-        <p:txBody>
-          <a:bodyPr>
-            <a:normAutofit fontScale="92500" lnSpcReduction="10000"/>
-          </a:bodyPr>
-          <a:lstStyle/>
-          <a:p>
-            <a:r>
-              <a:rPr lang="en-US" sz="2000" dirty="0" smtClean="0"/>
-              <a:t>The choice of location will depend on how the bar is to look, what the bar is going to contribute to the community, and the kind of clientele that is expected. </a:t>
-            </a:r>
-          </a:p>
-          <a:p>
-            <a:endParaRPr lang="en-US" sz="2000" dirty="0" smtClean="0"/>
-          </a:p>
-          <a:p>
-            <a:r>
-              <a:rPr lang="en-US" sz="2000" dirty="0" smtClean="0"/>
-              <a:t>Bars in Toronto appear to be more popular in certain neighborhoods over others. The type of bars also tend to be close to another. </a:t>
-            </a:r>
-          </a:p>
-          <a:p>
-            <a:endParaRPr lang="en-US" sz="2000" dirty="0" smtClean="0"/>
-          </a:p>
-          <a:p>
-            <a:r>
-              <a:rPr lang="en-US" sz="2000" dirty="0" smtClean="0"/>
-              <a:t>This may be due to people preferring alternative choices in the case their first choice is not available, or proximity to their work or residence. </a:t>
-            </a:r>
-          </a:p>
-          <a:p>
-            <a:endParaRPr lang="en-US" sz="2000" dirty="0" smtClean="0"/>
-          </a:p>
-          <a:p>
-            <a:r>
-              <a:rPr lang="en-US" sz="2000" dirty="0" smtClean="0"/>
-              <a:t>The higher value Bar locations may also be located in neighborhoods of more affluence. </a:t>
-            </a:r>
-          </a:p>
-          <a:p>
-            <a:endParaRPr lang="en-US" sz="2000" dirty="0" smtClean="0"/>
-          </a:p>
-          <a:p>
-            <a:r>
-              <a:rPr lang="en-US" sz="2000" dirty="0" smtClean="0"/>
-              <a:t>We will need to perform some analysis to determine where the best place to open a new bar would be.</a:t>
-            </a:r>
-            <a:endParaRPr lang="en-CA" sz="2000" dirty="0" smtClean="0"/>
-          </a:p>
-          <a:p>
-            <a:endParaRPr lang="en-CA" dirty="0"/>
-          </a:p>
-        </p:txBody>
-      </p:sp>
-    </p:spTree>
-    <p:extLst>
-      <p:ext uri="{BB962C8B-B14F-4D97-AF65-F5344CB8AC3E}">
-        <p14:creationId xmlns:p14="http://schemas.microsoft.com/office/powerpoint/2010/main" val="36652883"/>
-      </p:ext>
-    </p:extLst>
-  </p:cSld>
-  <p:clrMapOvr>
-    <a:masterClrMapping/>
-  </p:clrMapOvr>
-</p:sld>
-</file>
-
-<file path=ppt/slides/slide4.xml><?xml version="1.0" encoding="utf-8"?>
-<p:sld xmlns:a="http://schemas.openxmlformats.org/drawingml/2006/main" xmlns:r="http://schemas.openxmlformats.org/officeDocument/2006/relationships" xmlns:p="http://schemas.openxmlformats.org/presentationml/2006/main">
-  <p:cSld>
-    <p:spTree>
-      <p:nvGrpSpPr>
-        <p:cNvPr id="1" name=""/>
-        <p:cNvGrpSpPr/>
-        <p:nvPr/>
-      </p:nvGrpSpPr>
-      <p:grpSpPr>
-        <a:xfrm>
-          <a:off x="0" y="0"/>
-          <a:ext cx="0" cy="0"/>
-          <a:chOff x="0" y="0"/>
-          <a:chExt cx="0" cy="0"/>
-        </a:xfrm>
-      </p:grpSpPr>
-      <p:sp>
-        <p:nvSpPr>
-          <p:cNvPr id="2" name="Title 1"/>
-          <p:cNvSpPr>
-            <a:spLocks noGrp="1"/>
-          </p:cNvSpPr>
-          <p:nvPr>
-            <p:ph type="title"/>
-          </p:nvPr>
-        </p:nvSpPr>
-        <p:spPr/>
-        <p:txBody>
-          <a:bodyPr>
-            <a:noAutofit/>
-          </a:bodyPr>
-          <a:lstStyle/>
-          <a:p>
-            <a:r>
-              <a:rPr lang="en-US" sz="3600" dirty="0" smtClean="0">
-                <a:solidFill>
-                  <a:schemeClr val="tx2">
-                    <a:lumMod val="60000"/>
-                    <a:lumOff val="40000"/>
-                  </a:schemeClr>
-                </a:solidFill>
-              </a:rPr>
-              <a:t>A description of the data and how it will be used to solve the problem.</a:t>
-            </a:r>
-            <a:endParaRPr lang="en-CA" sz="3600" dirty="0">
-              <a:solidFill>
-                <a:schemeClr val="tx2">
-                  <a:lumMod val="60000"/>
-                  <a:lumOff val="40000"/>
-                </a:schemeClr>
-              </a:solidFill>
-            </a:endParaRPr>
-          </a:p>
-        </p:txBody>
-      </p:sp>
-      <p:sp>
-        <p:nvSpPr>
-          <p:cNvPr id="3" name="Content Placeholder 2"/>
-          <p:cNvSpPr>
-            <a:spLocks noGrp="1"/>
-          </p:cNvSpPr>
-          <p:nvPr>
-            <p:ph idx="1"/>
-          </p:nvPr>
-        </p:nvSpPr>
-        <p:spPr/>
-        <p:txBody>
-          <a:bodyPr>
-            <a:noAutofit/>
-          </a:bodyPr>
-          <a:lstStyle/>
-          <a:p>
-            <a:r>
-              <a:rPr lang="en-US" sz="1800" dirty="0" smtClean="0"/>
-              <a:t>In order to perform a location due diligence, bars that are of the same type, and grouped by </a:t>
-            </a:r>
-            <a:r>
-              <a:rPr lang="en-US" sz="1800" dirty="0" err="1" smtClean="0"/>
-              <a:t>neighbourhood</a:t>
-            </a:r>
-            <a:r>
-              <a:rPr lang="en-US" sz="1800" dirty="0" smtClean="0"/>
-              <a:t>, can be used in an analysis of potential success. </a:t>
-            </a:r>
-          </a:p>
-          <a:p>
-            <a:endParaRPr lang="en-US" sz="1800" dirty="0" smtClean="0"/>
-          </a:p>
-          <a:p>
-            <a:r>
-              <a:rPr lang="en-US" sz="1800" dirty="0" smtClean="0"/>
-              <a:t>Since we need access to as many potential paying customers as possible, the demographic of the </a:t>
-            </a:r>
-            <a:r>
-              <a:rPr lang="en-US" sz="1800" dirty="0" err="1" smtClean="0"/>
-              <a:t>neighbourhood</a:t>
-            </a:r>
-            <a:r>
-              <a:rPr lang="en-US" sz="1800" dirty="0" smtClean="0"/>
-              <a:t> must be taken into consideration. </a:t>
-            </a:r>
-          </a:p>
-          <a:p>
-            <a:endParaRPr lang="en-US" sz="1800" dirty="0" smtClean="0"/>
-          </a:p>
-          <a:p>
-            <a:r>
-              <a:rPr lang="en-US" sz="1800" dirty="0" smtClean="0"/>
-              <a:t>The safety of both the customer and the operation of the business can be associated to crime rate in area as well. This means we need to analyze 4 data sources:</a:t>
-            </a:r>
-          </a:p>
-          <a:p>
-            <a:endParaRPr lang="en-US" sz="1800" dirty="0" smtClean="0"/>
-          </a:p>
-          <a:p>
-            <a:pPr marL="404813" indent="0">
-              <a:buNone/>
-            </a:pPr>
-            <a:r>
-              <a:rPr lang="en-US" sz="1800" dirty="0" smtClean="0"/>
-              <a:t>1. The types of popular bars currently in the </a:t>
-            </a:r>
-            <a:r>
-              <a:rPr lang="en-US" sz="1800" dirty="0" err="1" smtClean="0"/>
-              <a:t>neighbourhoods</a:t>
-            </a:r>
-            <a:endParaRPr lang="en-US" sz="1800" dirty="0" smtClean="0"/>
-          </a:p>
-          <a:p>
-            <a:pPr marL="404813" indent="0">
-              <a:buNone/>
-            </a:pPr>
-            <a:r>
-              <a:rPr lang="en-US" sz="1800" dirty="0" smtClean="0"/>
-              <a:t>2. The population of each </a:t>
-            </a:r>
-            <a:r>
-              <a:rPr lang="en-US" sz="1800" dirty="0" err="1" smtClean="0"/>
-              <a:t>neighbourhood</a:t>
-            </a:r>
-            <a:endParaRPr lang="en-US" sz="1800" dirty="0" smtClean="0"/>
-          </a:p>
-          <a:p>
-            <a:pPr marL="404813" indent="0">
-              <a:buNone/>
-            </a:pPr>
-            <a:r>
-              <a:rPr lang="en-US" sz="1800" dirty="0" smtClean="0"/>
-              <a:t>3. The annual income of the residents of the </a:t>
-            </a:r>
-            <a:r>
-              <a:rPr lang="en-US" sz="1800" dirty="0" err="1" smtClean="0"/>
-              <a:t>neighbourhood</a:t>
-            </a:r>
-            <a:endParaRPr lang="en-US" sz="1800" dirty="0" smtClean="0"/>
-          </a:p>
-          <a:p>
-            <a:pPr marL="404813" indent="0">
-              <a:buNone/>
-            </a:pPr>
-            <a:r>
-              <a:rPr lang="en-US" sz="1800" dirty="0" smtClean="0"/>
-              <a:t>4. The crime rate in the </a:t>
-            </a:r>
-            <a:r>
-              <a:rPr lang="en-US" sz="1800" dirty="0" err="1" smtClean="0"/>
-              <a:t>neighbourhood</a:t>
-            </a:r>
-            <a:endParaRPr lang="en-US" sz="1800" dirty="0" smtClean="0"/>
-          </a:p>
-          <a:p>
-            <a:endParaRPr lang="en-US" sz="1400" dirty="0" smtClean="0"/>
-          </a:p>
-        </p:txBody>
-      </p:sp>
-    </p:spTree>
-    <p:extLst>
-      <p:ext uri="{BB962C8B-B14F-4D97-AF65-F5344CB8AC3E}">
-        <p14:creationId xmlns:p14="http://schemas.microsoft.com/office/powerpoint/2010/main" val="3100495005"/>
-      </p:ext>
-    </p:extLst>
-  </p:cSld>
-  <p:clrMapOvr>
-    <a:masterClrMapping/>
-  </p:clrMapOvr>
-</p:sld>
-</file>
-
-<file path=ppt/slides/slide5.xml><?xml version="1.0" encoding="utf-8"?>
-<p:sld xmlns:a="http://schemas.openxmlformats.org/drawingml/2006/main" xmlns:r="http://schemas.openxmlformats.org/officeDocument/2006/relationships" xmlns:p="http://schemas.openxmlformats.org/presentationml/2006/main">
-  <p:cSld>
-    <p:spTree>
-      <p:nvGrpSpPr>
-        <p:cNvPr id="1" name=""/>
-        <p:cNvGrpSpPr/>
-        <p:nvPr/>
-      </p:nvGrpSpPr>
-      <p:grpSpPr>
-        <a:xfrm>
-          <a:off x="0" y="0"/>
-          <a:ext cx="0" cy="0"/>
-          <a:chOff x="0" y="0"/>
-          <a:chExt cx="0" cy="0"/>
-        </a:xfrm>
-      </p:grpSpPr>
-      <p:sp>
-        <p:nvSpPr>
-          <p:cNvPr id="2" name="Title 1"/>
-          <p:cNvSpPr>
-            <a:spLocks noGrp="1"/>
-          </p:cNvSpPr>
-          <p:nvPr>
-            <p:ph type="title"/>
-          </p:nvPr>
-        </p:nvSpPr>
-        <p:spPr/>
-        <p:txBody>
-          <a:bodyPr>
-            <a:normAutofit fontScale="90000"/>
-          </a:bodyPr>
-          <a:lstStyle/>
-          <a:p>
-            <a:r>
-              <a:rPr lang="en-US" dirty="0" smtClean="0">
-                <a:solidFill>
-                  <a:schemeClr val="tx2">
-                    <a:lumMod val="60000"/>
-                    <a:lumOff val="40000"/>
-                  </a:schemeClr>
-                </a:solidFill>
-              </a:rPr>
-              <a:t>A description of the data and how it will be used to solve the problem.</a:t>
-            </a:r>
-            <a:endParaRPr lang="en-CA" dirty="0"/>
-          </a:p>
-        </p:txBody>
-      </p:sp>
-      <p:sp>
-        <p:nvSpPr>
-          <p:cNvPr id="3" name="Content Placeholder 2"/>
-          <p:cNvSpPr>
-            <a:spLocks noGrp="1"/>
-          </p:cNvSpPr>
-          <p:nvPr>
-            <p:ph idx="1"/>
-          </p:nvPr>
-        </p:nvSpPr>
-        <p:spPr>
-          <a:xfrm>
-            <a:off x="457200" y="1600200"/>
-            <a:ext cx="8229600" cy="5029200"/>
-          </a:xfrm>
-        </p:spPr>
-        <p:txBody>
-          <a:bodyPr>
-            <a:normAutofit fontScale="47500" lnSpcReduction="20000"/>
-          </a:bodyPr>
-          <a:lstStyle/>
-          <a:p>
-            <a:r>
-              <a:rPr lang="en-US" sz="3400" dirty="0" smtClean="0"/>
-              <a:t>This Capstone Assignment will use the Venue information collected by Foursquare in order to determine the popular bars currently in the </a:t>
-            </a:r>
-            <a:r>
-              <a:rPr lang="en-US" sz="3400" dirty="0" err="1" smtClean="0"/>
-              <a:t>neighbourhoods</a:t>
-            </a:r>
-            <a:r>
-              <a:rPr lang="en-US" sz="3400" dirty="0" smtClean="0"/>
-              <a:t>. </a:t>
-            </a:r>
-          </a:p>
-          <a:p>
-            <a:endParaRPr lang="en-US" sz="3400" dirty="0" smtClean="0"/>
-          </a:p>
-          <a:p>
-            <a:r>
-              <a:rPr lang="en-US" sz="3400" dirty="0" smtClean="0"/>
-              <a:t>The analysis will also use the </a:t>
-            </a:r>
-            <a:r>
-              <a:rPr lang="en-US" sz="3400" dirty="0" err="1" smtClean="0"/>
-              <a:t>Neighbourhood</a:t>
-            </a:r>
-            <a:r>
-              <a:rPr lang="en-US" sz="3400" dirty="0" smtClean="0"/>
-              <a:t> Profiles data available from the City of Toronto Wellbeing Data Catalogue (http://map.toronto.ca/wellbeing/) to analyze the population, affluence and crime rate of each </a:t>
-            </a:r>
-            <a:r>
-              <a:rPr lang="en-US" sz="3400" dirty="0" err="1" smtClean="0"/>
-              <a:t>neighbourhood</a:t>
-            </a:r>
-            <a:r>
-              <a:rPr lang="en-US" sz="3400" dirty="0" smtClean="0"/>
-              <a:t>. </a:t>
-            </a:r>
-          </a:p>
-          <a:p>
-            <a:endParaRPr lang="en-US" sz="3400" dirty="0" smtClean="0"/>
-          </a:p>
-          <a:p>
-            <a:r>
-              <a:rPr lang="en-US" sz="3400" dirty="0" smtClean="0"/>
-              <a:t>The crime rate is based on robberies since this is the most important issue with owning a bar in Toronto. The boundaries of the Toronto </a:t>
-            </a:r>
-            <a:r>
-              <a:rPr lang="en-US" sz="3400" dirty="0" err="1" smtClean="0"/>
-              <a:t>neighbourhoods</a:t>
-            </a:r>
-            <a:r>
-              <a:rPr lang="en-US" sz="3400" dirty="0" smtClean="0"/>
-              <a:t> will be taken from the City of Toronto Open Data Catalogue - </a:t>
-            </a:r>
-            <a:r>
-              <a:rPr lang="en-US" sz="3400" dirty="0" err="1" smtClean="0"/>
-              <a:t>Neighbourhoods</a:t>
-            </a:r>
-            <a:r>
-              <a:rPr lang="en-US" sz="3400" dirty="0" smtClean="0"/>
-              <a:t> (https://www.toronto.ca/city-government/data-research-maps/open-data/open-data-catalogue/#a45bd45a-ede8-730e-1abc-93105b2c439f)</a:t>
-            </a:r>
-          </a:p>
-          <a:p>
-            <a:endParaRPr lang="en-US" sz="3400" dirty="0" smtClean="0"/>
-          </a:p>
-          <a:p>
-            <a:r>
-              <a:rPr lang="en-US" sz="3400" dirty="0" smtClean="0"/>
-              <a:t>The first step will be to determine the popular bars currently in the </a:t>
-            </a:r>
-            <a:r>
-              <a:rPr lang="en-US" sz="3400" dirty="0" err="1" smtClean="0"/>
-              <a:t>neighbourhoods</a:t>
-            </a:r>
-            <a:r>
-              <a:rPr lang="en-US" sz="3400" dirty="0" smtClean="0"/>
-              <a:t>. Then the Wellbeing Data will be used to determine </a:t>
-            </a:r>
-            <a:r>
-              <a:rPr lang="en-US" sz="3400" dirty="0" err="1" smtClean="0"/>
-              <a:t>Neighbourhood</a:t>
-            </a:r>
-            <a:r>
-              <a:rPr lang="en-US" sz="3400" dirty="0" smtClean="0"/>
-              <a:t> Profiles. </a:t>
-            </a:r>
-          </a:p>
-          <a:p>
-            <a:r>
-              <a:rPr lang="en-US" sz="3400" dirty="0" smtClean="0"/>
-              <a:t>A map of Toronto will be created with the </a:t>
-            </a:r>
-            <a:r>
-              <a:rPr lang="en-US" sz="3400" dirty="0" err="1" smtClean="0"/>
-              <a:t>neighbourhoods</a:t>
-            </a:r>
-            <a:r>
-              <a:rPr lang="en-US" sz="3400" dirty="0" smtClean="0"/>
-              <a:t> outlined and </a:t>
-            </a:r>
-            <a:r>
-              <a:rPr lang="en-US" sz="3400" dirty="0" err="1" smtClean="0"/>
-              <a:t>overlayed</a:t>
-            </a:r>
-            <a:r>
-              <a:rPr lang="en-US" sz="3400" dirty="0" smtClean="0"/>
-              <a:t> with a color coding based on the </a:t>
-            </a:r>
-            <a:r>
-              <a:rPr lang="en-US" sz="3400" dirty="0" err="1" smtClean="0"/>
-              <a:t>Neighbourhood</a:t>
-            </a:r>
-            <a:r>
-              <a:rPr lang="en-US" sz="3400" dirty="0" smtClean="0"/>
-              <a:t> Profiles data. </a:t>
-            </a:r>
-          </a:p>
-          <a:p>
-            <a:endParaRPr lang="en-US" sz="3400" dirty="0"/>
-          </a:p>
-          <a:p>
-            <a:r>
-              <a:rPr lang="en-US" sz="3400" dirty="0" smtClean="0"/>
-              <a:t>The popular bars will also be marked on the map. </a:t>
-            </a:r>
-          </a:p>
-          <a:p>
-            <a:endParaRPr lang="en-US" sz="3400" dirty="0" smtClean="0"/>
-          </a:p>
-          <a:p>
-            <a:r>
-              <a:rPr lang="en-US" sz="3400" dirty="0" smtClean="0"/>
-              <a:t>The results will be analyzed and the recommendation(s) for the location of a new bar will be provided in the report conclusion.</a:t>
-            </a:r>
-            <a:endParaRPr lang="en-CA" sz="3400" dirty="0" smtClean="0"/>
-          </a:p>
-          <a:p>
-            <a:endParaRPr lang="en-CA" dirty="0"/>
-          </a:p>
-        </p:txBody>
-      </p:sp>
-    </p:spTree>
-    <p:extLst>
-      <p:ext uri="{BB962C8B-B14F-4D97-AF65-F5344CB8AC3E}">
-        <p14:creationId xmlns:p14="http://schemas.microsoft.com/office/powerpoint/2010/main" val="2927114303"/>
-      </p:ext>
-    </p:extLst>
-  </p:cSld>
-  <p:clrMapOvr>
-    <a:masterClrMapping/>
-  </p:clrMapOvr>
-</p:sld>
-</file>
-
-<file path=ppt/slides/slide6.xml><?xml version="1.0" encoding="utf-8"?>
-<p:sld xmlns:a="http://schemas.openxmlformats.org/drawingml/2006/main" xmlns:r="http://schemas.openxmlformats.org/officeDocument/2006/relationships" xmlns:p="http://schemas.openxmlformats.org/presentationml/2006/main">
-  <p:cSld>
-    <p:spTree>
-      <p:nvGrpSpPr>
-        <p:cNvPr id="1" name=""/>
-        <p:cNvGrpSpPr/>
-        <p:nvPr/>
-      </p:nvGrpSpPr>
-      <p:grpSpPr>
-        <a:xfrm>
-          <a:off x="0" y="0"/>
-          <a:ext cx="0" cy="0"/>
-          <a:chOff x="0" y="0"/>
-          <a:chExt cx="0" cy="0"/>
-        </a:xfrm>
-      </p:grpSpPr>
-      <p:sp>
-        <p:nvSpPr>
-          <p:cNvPr id="2" name="Title 1"/>
-          <p:cNvSpPr>
-            <a:spLocks noGrp="1"/>
-          </p:cNvSpPr>
-          <p:nvPr>
-            <p:ph type="title"/>
-          </p:nvPr>
-        </p:nvSpPr>
-        <p:spPr/>
-        <p:txBody>
-          <a:bodyPr>
-            <a:normAutofit/>
-          </a:bodyPr>
-          <a:lstStyle/>
-          <a:p>
-            <a:r>
-              <a:rPr lang="en-CA" sz="4000" dirty="0" smtClean="0">
-                <a:solidFill>
-                  <a:schemeClr val="tx2">
-                    <a:lumMod val="60000"/>
-                    <a:lumOff val="40000"/>
-                  </a:schemeClr>
-                </a:solidFill>
-              </a:rPr>
-              <a:t>The Methodology</a:t>
-            </a:r>
-            <a:endParaRPr lang="en-CA" sz="4000" dirty="0">
-              <a:solidFill>
-                <a:schemeClr val="tx2">
-                  <a:lumMod val="60000"/>
-                  <a:lumOff val="40000"/>
-                </a:schemeClr>
-              </a:solidFill>
-            </a:endParaRPr>
-          </a:p>
-        </p:txBody>
-      </p:sp>
-      <p:sp>
-        <p:nvSpPr>
-          <p:cNvPr id="3" name="Content Placeholder 2"/>
-          <p:cNvSpPr>
-            <a:spLocks noGrp="1"/>
-          </p:cNvSpPr>
-          <p:nvPr>
-            <p:ph idx="1"/>
-          </p:nvPr>
-        </p:nvSpPr>
-        <p:spPr>
-          <a:xfrm>
-            <a:off x="457200" y="1219200"/>
-            <a:ext cx="8229600" cy="5410200"/>
-          </a:xfrm>
-        </p:spPr>
-        <p:txBody>
-          <a:bodyPr>
-            <a:normAutofit fontScale="62500" lnSpcReduction="20000"/>
-          </a:bodyPr>
-          <a:lstStyle/>
-          <a:p>
-            <a:r>
-              <a:rPr lang="en-CA" dirty="0" smtClean="0"/>
-              <a:t>Using </a:t>
-            </a:r>
-            <a:r>
-              <a:rPr lang="en-CA" dirty="0"/>
-              <a:t>the Foursquare API, collected all the popular venues for all the neighborhoods in Toronto. </a:t>
-            </a:r>
-            <a:endParaRPr lang="en-CA" dirty="0" smtClean="0"/>
-          </a:p>
-          <a:p>
-            <a:endParaRPr lang="en-CA" dirty="0" smtClean="0"/>
-          </a:p>
-          <a:p>
-            <a:r>
-              <a:rPr lang="en-CA" dirty="0" smtClean="0"/>
-              <a:t>Then</a:t>
-            </a:r>
-            <a:r>
-              <a:rPr lang="en-CA" dirty="0"/>
-              <a:t>, filtered the venues to include bar venues only. Analyzed and grouped each neighborhood by taking the mean of the frequency of occurrence of each bar type. </a:t>
-            </a:r>
-            <a:endParaRPr lang="en-CA" dirty="0" smtClean="0"/>
-          </a:p>
-          <a:p>
-            <a:endParaRPr lang="en-CA" dirty="0" smtClean="0"/>
-          </a:p>
-          <a:p>
-            <a:r>
-              <a:rPr lang="en-CA" dirty="0" smtClean="0"/>
-              <a:t>Each </a:t>
-            </a:r>
-            <a:r>
-              <a:rPr lang="en-CA" dirty="0"/>
-              <a:t>neighbourhood along with the top 5 most common venues were determined. </a:t>
-            </a:r>
-            <a:endParaRPr lang="en-CA" dirty="0" smtClean="0"/>
-          </a:p>
-          <a:p>
-            <a:endParaRPr lang="en-CA" dirty="0" smtClean="0"/>
-          </a:p>
-          <a:p>
-            <a:r>
-              <a:rPr lang="en-CA" dirty="0" smtClean="0"/>
-              <a:t>The </a:t>
-            </a:r>
-            <a:r>
-              <a:rPr lang="en-CA" dirty="0"/>
-              <a:t>venues for each neighbourhood were arranged and sorted by the top 3. </a:t>
-            </a:r>
-            <a:endParaRPr lang="en-CA" dirty="0" smtClean="0"/>
-          </a:p>
-          <a:p>
-            <a:endParaRPr lang="en-CA" dirty="0" smtClean="0"/>
-          </a:p>
-          <a:p>
-            <a:r>
-              <a:rPr lang="en-CA" dirty="0" err="1" smtClean="0"/>
-              <a:t>KMeans</a:t>
-            </a:r>
-            <a:r>
-              <a:rPr lang="en-CA" dirty="0" smtClean="0"/>
-              <a:t> </a:t>
-            </a:r>
-            <a:r>
-              <a:rPr lang="en-CA" dirty="0"/>
-              <a:t>was applied to create 4 clusters of bar types. </a:t>
-            </a:r>
-            <a:r>
-              <a:rPr lang="en-CA" dirty="0" smtClean="0"/>
-              <a:t>Examined </a:t>
-            </a:r>
-            <a:r>
-              <a:rPr lang="en-CA" dirty="0"/>
-              <a:t>the clusters of bar types and classified each. </a:t>
-            </a:r>
-            <a:endParaRPr lang="en-CA" dirty="0" smtClean="0"/>
-          </a:p>
-          <a:p>
-            <a:endParaRPr lang="en-CA" dirty="0" smtClean="0"/>
-          </a:p>
-          <a:p>
-            <a:r>
-              <a:rPr lang="en-CA" dirty="0" smtClean="0"/>
-              <a:t>Then</a:t>
-            </a:r>
-            <a:r>
-              <a:rPr lang="en-CA" dirty="0"/>
-              <a:t>, loaded in the Wellbeing information and calculated the overall score with a weighted crime value. Loaded in the Toronto Neighbourhood geo codes and mapped the results.</a:t>
-            </a:r>
-          </a:p>
-          <a:p>
-            <a:endParaRPr lang="en-CA" dirty="0"/>
-          </a:p>
-        </p:txBody>
-      </p:sp>
-    </p:spTree>
-    <p:extLst>
-      <p:ext uri="{BB962C8B-B14F-4D97-AF65-F5344CB8AC3E}">
-        <p14:creationId xmlns:p14="http://schemas.microsoft.com/office/powerpoint/2010/main" val="1106663074"/>
-      </p:ext>
-    </p:extLst>
-  </p:cSld>
-  <p:clrMapOvr>
-    <a:masterClrMapping/>
-  </p:clrMapOvr>
-</p:sld>
-</file>
-
-<file path=ppt/slides/slide7.xml><?xml version="1.0" encoding="utf-8"?>
-<p:sld xmlns:a="http://schemas.openxmlformats.org/drawingml/2006/main" xmlns:r="http://schemas.openxmlformats.org/officeDocument/2006/relationships" xmlns:p="http://schemas.openxmlformats.org/presentationml/2006/main">
-  <p:cSld>
-    <p:spTree>
-      <p:nvGrpSpPr>
-        <p:cNvPr id="1" name=""/>
-        <p:cNvGrpSpPr/>
-        <p:nvPr/>
-      </p:nvGrpSpPr>
-      <p:grpSpPr>
-        <a:xfrm>
-          <a:off x="0" y="0"/>
-          <a:ext cx="0" cy="0"/>
-          <a:chOff x="0" y="0"/>
-          <a:chExt cx="0" cy="0"/>
-        </a:xfrm>
-      </p:grpSpPr>
-      <p:sp>
-        <p:nvSpPr>
-          <p:cNvPr id="2" name="Title 1"/>
-          <p:cNvSpPr>
-            <a:spLocks noGrp="1"/>
-          </p:cNvSpPr>
-          <p:nvPr>
-            <p:ph type="title"/>
-          </p:nvPr>
-        </p:nvSpPr>
-        <p:spPr/>
-        <p:txBody>
           <a:bodyPr>
             <a:normAutofit/>
           </a:bodyPr>
@@ -4369,7 +3793,7 @@
 </p:sld>
 </file>
 
-<file path=ppt/slides/slide8.xml><?xml version="1.0" encoding="utf-8"?>
+<file path=ppt/slides/slide12.xml><?xml version="1.0" encoding="utf-8"?>
 <p:sld xmlns:a="http://schemas.openxmlformats.org/drawingml/2006/main" xmlns:r="http://schemas.openxmlformats.org/officeDocument/2006/relationships" xmlns:p="http://schemas.openxmlformats.org/presentationml/2006/main">
   <p:cSld>
     <p:spTree>
@@ -4545,6 +3969,1778 @@
 </p:sld>
 </file>
 
+<file path=ppt/slides/slide13.xml><?xml version="1.0" encoding="utf-8"?>
+<p:sld xmlns:a="http://schemas.openxmlformats.org/drawingml/2006/main" xmlns:r="http://schemas.openxmlformats.org/officeDocument/2006/relationships" xmlns:p="http://schemas.openxmlformats.org/presentationml/2006/main">
+  <p:cSld>
+    <p:spTree>
+      <p:nvGrpSpPr>
+        <p:cNvPr id="1" name=""/>
+        <p:cNvGrpSpPr/>
+        <p:nvPr/>
+      </p:nvGrpSpPr>
+      <p:grpSpPr>
+        <a:xfrm>
+          <a:off x="0" y="0"/>
+          <a:ext cx="0" cy="0"/>
+          <a:chOff x="0" y="0"/>
+          <a:chExt cx="0" cy="0"/>
+        </a:xfrm>
+      </p:grpSpPr>
+      <p:sp>
+        <p:nvSpPr>
+          <p:cNvPr id="2" name="Title 1"/>
+          <p:cNvSpPr>
+            <a:spLocks noGrp="1"/>
+          </p:cNvSpPr>
+          <p:nvPr>
+            <p:ph type="title"/>
+          </p:nvPr>
+        </p:nvSpPr>
+        <p:spPr/>
+        <p:txBody>
+          <a:bodyPr>
+            <a:normAutofit/>
+          </a:bodyPr>
+          <a:lstStyle/>
+          <a:p>
+            <a:r>
+              <a:rPr lang="en-CA" sz="4000" dirty="0" smtClean="0">
+                <a:solidFill>
+                  <a:schemeClr val="tx2">
+                    <a:lumMod val="60000"/>
+                    <a:lumOff val="40000"/>
+                  </a:schemeClr>
+                </a:solidFill>
+              </a:rPr>
+              <a:t>Conclusion</a:t>
+            </a:r>
+            <a:endParaRPr lang="en-CA" sz="4000" dirty="0">
+              <a:solidFill>
+                <a:schemeClr val="tx2">
+                  <a:lumMod val="60000"/>
+                  <a:lumOff val="40000"/>
+                </a:schemeClr>
+              </a:solidFill>
+            </a:endParaRPr>
+          </a:p>
+        </p:txBody>
+      </p:sp>
+      <p:sp>
+        <p:nvSpPr>
+          <p:cNvPr id="3" name="Content Placeholder 2"/>
+          <p:cNvSpPr>
+            <a:spLocks noGrp="1"/>
+          </p:cNvSpPr>
+          <p:nvPr>
+            <p:ph idx="1"/>
+          </p:nvPr>
+        </p:nvSpPr>
+        <p:spPr>
+          <a:xfrm>
+            <a:off x="457200" y="1189037"/>
+            <a:ext cx="8229600" cy="5440363"/>
+          </a:xfrm>
+        </p:spPr>
+        <p:txBody>
+          <a:bodyPr>
+            <a:normAutofit fontScale="25000" lnSpcReduction="20000"/>
+          </a:bodyPr>
+          <a:lstStyle/>
+          <a:p>
+            <a:r>
+              <a:rPr lang="en-CA" sz="9600" dirty="0"/>
+              <a:t>Toronto is a city with a booming economy and thriving neighbourhoods. </a:t>
+            </a:r>
+            <a:endParaRPr lang="en-CA" sz="9600" dirty="0" smtClean="0"/>
+          </a:p>
+          <a:p>
+            <a:endParaRPr lang="en-CA" sz="9600" dirty="0" smtClean="0"/>
+          </a:p>
+          <a:p>
+            <a:r>
+              <a:rPr lang="en-CA" sz="9600" dirty="0" smtClean="0"/>
+              <a:t>Although </a:t>
+            </a:r>
+            <a:r>
+              <a:rPr lang="en-CA" sz="9600" dirty="0"/>
+              <a:t>there are many citizens that could be potential customer, there is already a lot of competition in the bar and entertainment industry. </a:t>
+            </a:r>
+            <a:endParaRPr lang="en-CA" sz="9600" dirty="0" smtClean="0"/>
+          </a:p>
+          <a:p>
+            <a:endParaRPr lang="en-CA" sz="9600" dirty="0" smtClean="0"/>
+          </a:p>
+          <a:p>
+            <a:r>
+              <a:rPr lang="en-CA" sz="9600" dirty="0" smtClean="0"/>
+              <a:t>It </a:t>
+            </a:r>
+            <a:r>
+              <a:rPr lang="en-CA" sz="9600" dirty="0"/>
+              <a:t>is very prudent to analyze the neighbourhoods thoroughly for a location before making any investment in this industry. </a:t>
+            </a:r>
+            <a:endParaRPr lang="en-CA" sz="9600" dirty="0" smtClean="0"/>
+          </a:p>
+          <a:p>
+            <a:endParaRPr lang="en-CA" sz="9600" dirty="0" smtClean="0"/>
+          </a:p>
+          <a:p>
+            <a:r>
+              <a:rPr lang="en-CA" sz="9600" dirty="0" smtClean="0"/>
+              <a:t>The </a:t>
+            </a:r>
+            <a:r>
+              <a:rPr lang="en-CA" sz="9600" dirty="0"/>
+              <a:t>notebook report generated for this problem was successful in performing the analysis required and identified high value neighbourhoods for bar investments. </a:t>
+            </a:r>
+            <a:endParaRPr lang="en-CA" sz="9600" dirty="0" smtClean="0"/>
+          </a:p>
+          <a:p>
+            <a:endParaRPr lang="en-CA" sz="9600" dirty="0" smtClean="0"/>
+          </a:p>
+          <a:p>
+            <a:r>
+              <a:rPr lang="en-CA" sz="9600" dirty="0" smtClean="0"/>
+              <a:t>I </a:t>
+            </a:r>
+            <a:r>
+              <a:rPr lang="en-CA" sz="9600" dirty="0"/>
+              <a:t>highly recommend reviewing the details of this report before investing any capital into a bar in the Toronto area.  </a:t>
+            </a:r>
+          </a:p>
+          <a:p>
+            <a:endParaRPr lang="en-CA" dirty="0"/>
+          </a:p>
+        </p:txBody>
+      </p:sp>
+    </p:spTree>
+    <p:extLst>
+      <p:ext uri="{BB962C8B-B14F-4D97-AF65-F5344CB8AC3E}">
+        <p14:creationId xmlns:p14="http://schemas.microsoft.com/office/powerpoint/2010/main" val="3034643240"/>
+      </p:ext>
+    </p:extLst>
+  </p:cSld>
+  <p:clrMapOvr>
+    <a:masterClrMapping/>
+  </p:clrMapOvr>
+</p:sld>
+</file>
+
+<file path=ppt/slides/slide2.xml><?xml version="1.0" encoding="utf-8"?>
+<p:sld xmlns:a="http://schemas.openxmlformats.org/drawingml/2006/main" xmlns:r="http://schemas.openxmlformats.org/officeDocument/2006/relationships" xmlns:p="http://schemas.openxmlformats.org/presentationml/2006/main">
+  <p:cSld>
+    <p:spTree>
+      <p:nvGrpSpPr>
+        <p:cNvPr id="1" name=""/>
+        <p:cNvGrpSpPr/>
+        <p:nvPr/>
+      </p:nvGrpSpPr>
+      <p:grpSpPr>
+        <a:xfrm>
+          <a:off x="0" y="0"/>
+          <a:ext cx="0" cy="0"/>
+          <a:chOff x="0" y="0"/>
+          <a:chExt cx="0" cy="0"/>
+        </a:xfrm>
+      </p:grpSpPr>
+      <p:sp>
+        <p:nvSpPr>
+          <p:cNvPr id="2" name="Title 1"/>
+          <p:cNvSpPr>
+            <a:spLocks noGrp="1"/>
+          </p:cNvSpPr>
+          <p:nvPr>
+            <p:ph type="title"/>
+          </p:nvPr>
+        </p:nvSpPr>
+        <p:spPr/>
+        <p:txBody>
+          <a:bodyPr/>
+          <a:lstStyle/>
+          <a:p>
+            <a:r>
+              <a:rPr lang="en-US" dirty="0" smtClean="0">
+                <a:solidFill>
+                  <a:schemeClr val="tx2">
+                    <a:lumMod val="60000"/>
+                    <a:lumOff val="40000"/>
+                  </a:schemeClr>
+                </a:solidFill>
+              </a:rPr>
+              <a:t>An introduction of the problem.</a:t>
+            </a:r>
+            <a:endParaRPr lang="en-CA" dirty="0">
+              <a:solidFill>
+                <a:schemeClr val="tx2">
+                  <a:lumMod val="60000"/>
+                  <a:lumOff val="40000"/>
+                </a:schemeClr>
+              </a:solidFill>
+            </a:endParaRPr>
+          </a:p>
+        </p:txBody>
+      </p:sp>
+      <p:sp>
+        <p:nvSpPr>
+          <p:cNvPr id="3" name="Content Placeholder 2"/>
+          <p:cNvSpPr>
+            <a:spLocks noGrp="1"/>
+          </p:cNvSpPr>
+          <p:nvPr>
+            <p:ph idx="1"/>
+          </p:nvPr>
+        </p:nvSpPr>
+        <p:spPr>
+          <a:xfrm>
+            <a:off x="457200" y="1295400"/>
+            <a:ext cx="8229600" cy="5181600"/>
+          </a:xfrm>
+        </p:spPr>
+        <p:txBody>
+          <a:bodyPr>
+            <a:normAutofit fontScale="77500" lnSpcReduction="20000"/>
+          </a:bodyPr>
+          <a:lstStyle/>
+          <a:p>
+            <a:r>
+              <a:rPr lang="en-US" dirty="0" smtClean="0"/>
+              <a:t>Toronto is a vibrant city with many diverse cultures and a booming economy. </a:t>
+            </a:r>
+          </a:p>
+          <a:p>
+            <a:endParaRPr lang="en-US" dirty="0" smtClean="0"/>
+          </a:p>
+          <a:p>
+            <a:r>
+              <a:rPr lang="en-US" dirty="0" smtClean="0"/>
+              <a:t>The citizens of Toronto work hard, have busy lives, and look forward to time for socializing and relaxing. </a:t>
+            </a:r>
+          </a:p>
+          <a:p>
+            <a:r>
+              <a:rPr lang="en-US" dirty="0" smtClean="0"/>
+              <a:t>The bars in the Toronto are cater to many in its various neighborhoods. </a:t>
+            </a:r>
+          </a:p>
+          <a:p>
+            <a:endParaRPr lang="en-US" dirty="0" smtClean="0"/>
+          </a:p>
+          <a:p>
+            <a:r>
+              <a:rPr lang="en-US" dirty="0" smtClean="0"/>
+              <a:t>Opening a bar in Toronto can be very risky so due diligence and planning is highly recommended to mitigate the risks. </a:t>
+            </a:r>
+          </a:p>
+          <a:p>
+            <a:endParaRPr lang="en-US" dirty="0" smtClean="0"/>
+          </a:p>
+          <a:p>
+            <a:r>
+              <a:rPr lang="en-US" dirty="0" smtClean="0"/>
+              <a:t>One of the highest value items in the due diligence review is location. </a:t>
+            </a:r>
+          </a:p>
+          <a:p>
+            <a:pPr marL="0" indent="0">
+              <a:buNone/>
+            </a:pPr>
+            <a:endParaRPr lang="en-US" dirty="0" smtClean="0"/>
+          </a:p>
+        </p:txBody>
+      </p:sp>
+    </p:spTree>
+    <p:extLst>
+      <p:ext uri="{BB962C8B-B14F-4D97-AF65-F5344CB8AC3E}">
+        <p14:creationId xmlns:p14="http://schemas.microsoft.com/office/powerpoint/2010/main" val="1740294457"/>
+      </p:ext>
+    </p:extLst>
+  </p:cSld>
+  <p:clrMapOvr>
+    <a:masterClrMapping/>
+  </p:clrMapOvr>
+</p:sld>
+</file>
+
+<file path=ppt/slides/slide3.xml><?xml version="1.0" encoding="utf-8"?>
+<p:sld xmlns:a="http://schemas.openxmlformats.org/drawingml/2006/main" xmlns:r="http://schemas.openxmlformats.org/officeDocument/2006/relationships" xmlns:p="http://schemas.openxmlformats.org/presentationml/2006/main">
+  <p:cSld>
+    <p:spTree>
+      <p:nvGrpSpPr>
+        <p:cNvPr id="1" name=""/>
+        <p:cNvGrpSpPr/>
+        <p:nvPr/>
+      </p:nvGrpSpPr>
+      <p:grpSpPr>
+        <a:xfrm>
+          <a:off x="0" y="0"/>
+          <a:ext cx="0" cy="0"/>
+          <a:chOff x="0" y="0"/>
+          <a:chExt cx="0" cy="0"/>
+        </a:xfrm>
+      </p:grpSpPr>
+      <p:sp>
+        <p:nvSpPr>
+          <p:cNvPr id="2" name="Title 1"/>
+          <p:cNvSpPr>
+            <a:spLocks noGrp="1"/>
+          </p:cNvSpPr>
+          <p:nvPr>
+            <p:ph type="title"/>
+          </p:nvPr>
+        </p:nvSpPr>
+        <p:spPr/>
+        <p:txBody>
+          <a:bodyPr/>
+          <a:lstStyle/>
+          <a:p>
+            <a:r>
+              <a:rPr lang="en-US" dirty="0" smtClean="0">
+                <a:solidFill>
+                  <a:schemeClr val="tx2">
+                    <a:lumMod val="60000"/>
+                    <a:lumOff val="40000"/>
+                  </a:schemeClr>
+                </a:solidFill>
+              </a:rPr>
+              <a:t>An introduction of the problem.</a:t>
+            </a:r>
+            <a:endParaRPr lang="en-CA" dirty="0">
+              <a:solidFill>
+                <a:schemeClr val="tx2">
+                  <a:lumMod val="60000"/>
+                  <a:lumOff val="40000"/>
+                </a:schemeClr>
+              </a:solidFill>
+            </a:endParaRPr>
+          </a:p>
+        </p:txBody>
+      </p:sp>
+      <p:sp>
+        <p:nvSpPr>
+          <p:cNvPr id="3" name="Content Placeholder 2"/>
+          <p:cNvSpPr>
+            <a:spLocks noGrp="1"/>
+          </p:cNvSpPr>
+          <p:nvPr>
+            <p:ph idx="1"/>
+          </p:nvPr>
+        </p:nvSpPr>
+        <p:spPr/>
+        <p:txBody>
+          <a:bodyPr>
+            <a:normAutofit fontScale="92500" lnSpcReduction="10000"/>
+          </a:bodyPr>
+          <a:lstStyle/>
+          <a:p>
+            <a:r>
+              <a:rPr lang="en-US" sz="2000" dirty="0" smtClean="0"/>
+              <a:t>The choice of location will depend on how the bar is to look, what the bar is going to contribute to the community, and the kind of clientele that is expected. </a:t>
+            </a:r>
+          </a:p>
+          <a:p>
+            <a:endParaRPr lang="en-US" sz="2000" dirty="0" smtClean="0"/>
+          </a:p>
+          <a:p>
+            <a:r>
+              <a:rPr lang="en-US" sz="2000" dirty="0" smtClean="0"/>
+              <a:t>Bars in Toronto appear to be more popular in certain neighborhoods over others. The type of bars also tend to be close to another. </a:t>
+            </a:r>
+          </a:p>
+          <a:p>
+            <a:endParaRPr lang="en-US" sz="2000" dirty="0" smtClean="0"/>
+          </a:p>
+          <a:p>
+            <a:r>
+              <a:rPr lang="en-US" sz="2000" dirty="0" smtClean="0"/>
+              <a:t>This may be due to people preferring alternative choices in the case their first choice is not available, or proximity to their work or residence. </a:t>
+            </a:r>
+          </a:p>
+          <a:p>
+            <a:endParaRPr lang="en-US" sz="2000" dirty="0" smtClean="0"/>
+          </a:p>
+          <a:p>
+            <a:r>
+              <a:rPr lang="en-US" sz="2000" dirty="0" smtClean="0"/>
+              <a:t>The higher value Bar locations may also be located in neighborhoods of more affluence. </a:t>
+            </a:r>
+          </a:p>
+          <a:p>
+            <a:endParaRPr lang="en-US" sz="2000" dirty="0" smtClean="0"/>
+          </a:p>
+          <a:p>
+            <a:r>
+              <a:rPr lang="en-US" sz="2000" dirty="0" smtClean="0"/>
+              <a:t>We will need to perform some analysis to determine where the best place to open a new bar would be.</a:t>
+            </a:r>
+            <a:endParaRPr lang="en-CA" sz="2000" dirty="0" smtClean="0"/>
+          </a:p>
+          <a:p>
+            <a:endParaRPr lang="en-CA" dirty="0"/>
+          </a:p>
+        </p:txBody>
+      </p:sp>
+    </p:spTree>
+    <p:extLst>
+      <p:ext uri="{BB962C8B-B14F-4D97-AF65-F5344CB8AC3E}">
+        <p14:creationId xmlns:p14="http://schemas.microsoft.com/office/powerpoint/2010/main" val="36652883"/>
+      </p:ext>
+    </p:extLst>
+  </p:cSld>
+  <p:clrMapOvr>
+    <a:masterClrMapping/>
+  </p:clrMapOvr>
+</p:sld>
+</file>
+
+<file path=ppt/slides/slide4.xml><?xml version="1.0" encoding="utf-8"?>
+<p:sld xmlns:a="http://schemas.openxmlformats.org/drawingml/2006/main" xmlns:r="http://schemas.openxmlformats.org/officeDocument/2006/relationships" xmlns:p="http://schemas.openxmlformats.org/presentationml/2006/main">
+  <p:cSld>
+    <p:spTree>
+      <p:nvGrpSpPr>
+        <p:cNvPr id="1" name=""/>
+        <p:cNvGrpSpPr/>
+        <p:nvPr/>
+      </p:nvGrpSpPr>
+      <p:grpSpPr>
+        <a:xfrm>
+          <a:off x="0" y="0"/>
+          <a:ext cx="0" cy="0"/>
+          <a:chOff x="0" y="0"/>
+          <a:chExt cx="0" cy="0"/>
+        </a:xfrm>
+      </p:grpSpPr>
+      <p:sp>
+        <p:nvSpPr>
+          <p:cNvPr id="2" name="Title 1"/>
+          <p:cNvSpPr>
+            <a:spLocks noGrp="1"/>
+          </p:cNvSpPr>
+          <p:nvPr>
+            <p:ph type="title"/>
+          </p:nvPr>
+        </p:nvSpPr>
+        <p:spPr/>
+        <p:txBody>
+          <a:bodyPr>
+            <a:noAutofit/>
+          </a:bodyPr>
+          <a:lstStyle/>
+          <a:p>
+            <a:r>
+              <a:rPr lang="en-US" sz="3600" dirty="0" smtClean="0">
+                <a:solidFill>
+                  <a:schemeClr val="tx2">
+                    <a:lumMod val="60000"/>
+                    <a:lumOff val="40000"/>
+                  </a:schemeClr>
+                </a:solidFill>
+              </a:rPr>
+              <a:t>A description of the data and how it will be used to solve the problem.</a:t>
+            </a:r>
+            <a:endParaRPr lang="en-CA" sz="3600" dirty="0">
+              <a:solidFill>
+                <a:schemeClr val="tx2">
+                  <a:lumMod val="60000"/>
+                  <a:lumOff val="40000"/>
+                </a:schemeClr>
+              </a:solidFill>
+            </a:endParaRPr>
+          </a:p>
+        </p:txBody>
+      </p:sp>
+      <p:sp>
+        <p:nvSpPr>
+          <p:cNvPr id="3" name="Content Placeholder 2"/>
+          <p:cNvSpPr>
+            <a:spLocks noGrp="1"/>
+          </p:cNvSpPr>
+          <p:nvPr>
+            <p:ph idx="1"/>
+          </p:nvPr>
+        </p:nvSpPr>
+        <p:spPr/>
+        <p:txBody>
+          <a:bodyPr>
+            <a:noAutofit/>
+          </a:bodyPr>
+          <a:lstStyle/>
+          <a:p>
+            <a:r>
+              <a:rPr lang="en-US" sz="1800" dirty="0" smtClean="0"/>
+              <a:t>In order to perform a location due diligence, bars that are of the same type, and grouped by </a:t>
+            </a:r>
+            <a:r>
+              <a:rPr lang="en-US" sz="1800" dirty="0" err="1" smtClean="0"/>
+              <a:t>neighbourhood</a:t>
+            </a:r>
+            <a:r>
+              <a:rPr lang="en-US" sz="1800" dirty="0" smtClean="0"/>
+              <a:t>, can be used in an analysis of potential success. </a:t>
+            </a:r>
+          </a:p>
+          <a:p>
+            <a:endParaRPr lang="en-US" sz="1800" dirty="0" smtClean="0"/>
+          </a:p>
+          <a:p>
+            <a:r>
+              <a:rPr lang="en-US" sz="1800" dirty="0" smtClean="0"/>
+              <a:t>Since we need access to as many potential paying customers as possible, the demographic of the </a:t>
+            </a:r>
+            <a:r>
+              <a:rPr lang="en-US" sz="1800" dirty="0" err="1" smtClean="0"/>
+              <a:t>neighbourhood</a:t>
+            </a:r>
+            <a:r>
+              <a:rPr lang="en-US" sz="1800" dirty="0" smtClean="0"/>
+              <a:t> must be taken into consideration. </a:t>
+            </a:r>
+          </a:p>
+          <a:p>
+            <a:endParaRPr lang="en-US" sz="1800" dirty="0" smtClean="0"/>
+          </a:p>
+          <a:p>
+            <a:r>
+              <a:rPr lang="en-US" sz="1800" dirty="0" smtClean="0"/>
+              <a:t>The safety of both the customer and the operation of the business can be associated to crime rate in area as well. This means we need to analyze 4 data sources:</a:t>
+            </a:r>
+          </a:p>
+          <a:p>
+            <a:endParaRPr lang="en-US" sz="1800" dirty="0" smtClean="0"/>
+          </a:p>
+          <a:p>
+            <a:pPr marL="404813" indent="0">
+              <a:buNone/>
+            </a:pPr>
+            <a:r>
+              <a:rPr lang="en-US" sz="1800" dirty="0" smtClean="0"/>
+              <a:t>1. The types of popular bars currently in the </a:t>
+            </a:r>
+            <a:r>
+              <a:rPr lang="en-US" sz="1800" dirty="0" err="1" smtClean="0"/>
+              <a:t>neighbourhoods</a:t>
+            </a:r>
+            <a:endParaRPr lang="en-US" sz="1800" dirty="0" smtClean="0"/>
+          </a:p>
+          <a:p>
+            <a:pPr marL="404813" indent="0">
+              <a:buNone/>
+            </a:pPr>
+            <a:r>
+              <a:rPr lang="en-US" sz="1800" dirty="0" smtClean="0"/>
+              <a:t>2. The population of each </a:t>
+            </a:r>
+            <a:r>
+              <a:rPr lang="en-US" sz="1800" dirty="0" err="1" smtClean="0"/>
+              <a:t>neighbourhood</a:t>
+            </a:r>
+            <a:endParaRPr lang="en-US" sz="1800" dirty="0" smtClean="0"/>
+          </a:p>
+          <a:p>
+            <a:pPr marL="404813" indent="0">
+              <a:buNone/>
+            </a:pPr>
+            <a:r>
+              <a:rPr lang="en-US" sz="1800" dirty="0" smtClean="0"/>
+              <a:t>3. The annual income of the residents of the </a:t>
+            </a:r>
+            <a:r>
+              <a:rPr lang="en-US" sz="1800" dirty="0" err="1" smtClean="0"/>
+              <a:t>neighbourhood</a:t>
+            </a:r>
+            <a:endParaRPr lang="en-US" sz="1800" dirty="0" smtClean="0"/>
+          </a:p>
+          <a:p>
+            <a:pPr marL="404813" indent="0">
+              <a:buNone/>
+            </a:pPr>
+            <a:r>
+              <a:rPr lang="en-US" sz="1800" dirty="0" smtClean="0"/>
+              <a:t>4. The crime rate in the </a:t>
+            </a:r>
+            <a:r>
+              <a:rPr lang="en-US" sz="1800" dirty="0" err="1" smtClean="0"/>
+              <a:t>neighbourhood</a:t>
+            </a:r>
+            <a:endParaRPr lang="en-US" sz="1800" dirty="0" smtClean="0"/>
+          </a:p>
+          <a:p>
+            <a:endParaRPr lang="en-US" sz="1400" dirty="0" smtClean="0"/>
+          </a:p>
+        </p:txBody>
+      </p:sp>
+    </p:spTree>
+    <p:extLst>
+      <p:ext uri="{BB962C8B-B14F-4D97-AF65-F5344CB8AC3E}">
+        <p14:creationId xmlns:p14="http://schemas.microsoft.com/office/powerpoint/2010/main" val="3100495005"/>
+      </p:ext>
+    </p:extLst>
+  </p:cSld>
+  <p:clrMapOvr>
+    <a:masterClrMapping/>
+  </p:clrMapOvr>
+</p:sld>
+</file>
+
+<file path=ppt/slides/slide5.xml><?xml version="1.0" encoding="utf-8"?>
+<p:sld xmlns:a="http://schemas.openxmlformats.org/drawingml/2006/main" xmlns:r="http://schemas.openxmlformats.org/officeDocument/2006/relationships" xmlns:p="http://schemas.openxmlformats.org/presentationml/2006/main">
+  <p:cSld>
+    <p:spTree>
+      <p:nvGrpSpPr>
+        <p:cNvPr id="1" name=""/>
+        <p:cNvGrpSpPr/>
+        <p:nvPr/>
+      </p:nvGrpSpPr>
+      <p:grpSpPr>
+        <a:xfrm>
+          <a:off x="0" y="0"/>
+          <a:ext cx="0" cy="0"/>
+          <a:chOff x="0" y="0"/>
+          <a:chExt cx="0" cy="0"/>
+        </a:xfrm>
+      </p:grpSpPr>
+      <p:sp>
+        <p:nvSpPr>
+          <p:cNvPr id="2" name="Title 1"/>
+          <p:cNvSpPr>
+            <a:spLocks noGrp="1"/>
+          </p:cNvSpPr>
+          <p:nvPr>
+            <p:ph type="title"/>
+          </p:nvPr>
+        </p:nvSpPr>
+        <p:spPr/>
+        <p:txBody>
+          <a:bodyPr>
+            <a:normAutofit fontScale="90000"/>
+          </a:bodyPr>
+          <a:lstStyle/>
+          <a:p>
+            <a:r>
+              <a:rPr lang="en-US" dirty="0" smtClean="0">
+                <a:solidFill>
+                  <a:schemeClr val="tx2">
+                    <a:lumMod val="60000"/>
+                    <a:lumOff val="40000"/>
+                  </a:schemeClr>
+                </a:solidFill>
+              </a:rPr>
+              <a:t>A description of the data and how it will be used to solve the problem.</a:t>
+            </a:r>
+            <a:endParaRPr lang="en-CA" dirty="0"/>
+          </a:p>
+        </p:txBody>
+      </p:sp>
+      <p:sp>
+        <p:nvSpPr>
+          <p:cNvPr id="3" name="Content Placeholder 2"/>
+          <p:cNvSpPr>
+            <a:spLocks noGrp="1"/>
+          </p:cNvSpPr>
+          <p:nvPr>
+            <p:ph idx="1"/>
+          </p:nvPr>
+        </p:nvSpPr>
+        <p:spPr>
+          <a:xfrm>
+            <a:off x="457200" y="1600200"/>
+            <a:ext cx="8229600" cy="5029200"/>
+          </a:xfrm>
+        </p:spPr>
+        <p:txBody>
+          <a:bodyPr>
+            <a:normAutofit fontScale="47500" lnSpcReduction="20000"/>
+          </a:bodyPr>
+          <a:lstStyle/>
+          <a:p>
+            <a:r>
+              <a:rPr lang="en-US" sz="3400" dirty="0" smtClean="0"/>
+              <a:t>This Capstone Assignment will use the Venue information collected by Foursquare in order to determine the popular bars currently in the </a:t>
+            </a:r>
+            <a:r>
+              <a:rPr lang="en-US" sz="3400" dirty="0" err="1" smtClean="0"/>
+              <a:t>neighbourhoods</a:t>
+            </a:r>
+            <a:r>
+              <a:rPr lang="en-US" sz="3400" dirty="0" smtClean="0"/>
+              <a:t>. </a:t>
+            </a:r>
+          </a:p>
+          <a:p>
+            <a:endParaRPr lang="en-US" sz="3400" dirty="0" smtClean="0"/>
+          </a:p>
+          <a:p>
+            <a:r>
+              <a:rPr lang="en-US" sz="3400" dirty="0" smtClean="0"/>
+              <a:t>The analysis will also use the </a:t>
+            </a:r>
+            <a:r>
+              <a:rPr lang="en-US" sz="3400" dirty="0" err="1" smtClean="0"/>
+              <a:t>Neighbourhood</a:t>
+            </a:r>
+            <a:r>
+              <a:rPr lang="en-US" sz="3400" dirty="0" smtClean="0"/>
+              <a:t> Profiles data available from the City of Toronto Wellbeing Data Catalogue (http://map.toronto.ca/wellbeing/) to analyze the population, affluence and crime rate of each </a:t>
+            </a:r>
+            <a:r>
+              <a:rPr lang="en-US" sz="3400" dirty="0" err="1" smtClean="0"/>
+              <a:t>neighbourhood</a:t>
+            </a:r>
+            <a:r>
+              <a:rPr lang="en-US" sz="3400" dirty="0" smtClean="0"/>
+              <a:t>. </a:t>
+            </a:r>
+          </a:p>
+          <a:p>
+            <a:endParaRPr lang="en-US" sz="3400" dirty="0" smtClean="0"/>
+          </a:p>
+          <a:p>
+            <a:r>
+              <a:rPr lang="en-US" sz="3400" dirty="0" smtClean="0"/>
+              <a:t>The crime rate is based on robberies since this is the most important issue with owning a bar in Toronto. The boundaries of the Toronto </a:t>
+            </a:r>
+            <a:r>
+              <a:rPr lang="en-US" sz="3400" dirty="0" err="1" smtClean="0"/>
+              <a:t>neighbourhoods</a:t>
+            </a:r>
+            <a:r>
+              <a:rPr lang="en-US" sz="3400" dirty="0" smtClean="0"/>
+              <a:t> will be taken from the City of Toronto Open Data Catalogue - </a:t>
+            </a:r>
+            <a:r>
+              <a:rPr lang="en-US" sz="3400" dirty="0" err="1" smtClean="0"/>
+              <a:t>Neighbourhoods</a:t>
+            </a:r>
+            <a:r>
+              <a:rPr lang="en-US" sz="3400" dirty="0" smtClean="0"/>
+              <a:t> (https://www.toronto.ca/city-government/data-research-maps/open-data/open-data-catalogue/#a45bd45a-ede8-730e-1abc-93105b2c439f)</a:t>
+            </a:r>
+          </a:p>
+          <a:p>
+            <a:endParaRPr lang="en-US" sz="3400" dirty="0" smtClean="0"/>
+          </a:p>
+          <a:p>
+            <a:r>
+              <a:rPr lang="en-US" sz="3400" dirty="0" smtClean="0"/>
+              <a:t>The first step will be to determine the popular bars currently in the </a:t>
+            </a:r>
+            <a:r>
+              <a:rPr lang="en-US" sz="3400" dirty="0" err="1" smtClean="0"/>
+              <a:t>neighbourhoods</a:t>
+            </a:r>
+            <a:r>
+              <a:rPr lang="en-US" sz="3400" dirty="0" smtClean="0"/>
+              <a:t>. Then the Wellbeing Data will be used to determine </a:t>
+            </a:r>
+            <a:r>
+              <a:rPr lang="en-US" sz="3400" dirty="0" err="1" smtClean="0"/>
+              <a:t>Neighbourhood</a:t>
+            </a:r>
+            <a:r>
+              <a:rPr lang="en-US" sz="3400" dirty="0" smtClean="0"/>
+              <a:t> Profiles. </a:t>
+            </a:r>
+          </a:p>
+          <a:p>
+            <a:r>
+              <a:rPr lang="en-US" sz="3400" dirty="0" smtClean="0"/>
+              <a:t>A map of Toronto will be created with the </a:t>
+            </a:r>
+            <a:r>
+              <a:rPr lang="en-US" sz="3400" dirty="0" err="1" smtClean="0"/>
+              <a:t>neighbourhoods</a:t>
+            </a:r>
+            <a:r>
+              <a:rPr lang="en-US" sz="3400" dirty="0" smtClean="0"/>
+              <a:t> outlined and </a:t>
+            </a:r>
+            <a:r>
+              <a:rPr lang="en-US" sz="3400" dirty="0" err="1" smtClean="0"/>
+              <a:t>overlayed</a:t>
+            </a:r>
+            <a:r>
+              <a:rPr lang="en-US" sz="3400" dirty="0" smtClean="0"/>
+              <a:t> with a color coding based on the </a:t>
+            </a:r>
+            <a:r>
+              <a:rPr lang="en-US" sz="3400" dirty="0" err="1" smtClean="0"/>
+              <a:t>Neighbourhood</a:t>
+            </a:r>
+            <a:r>
+              <a:rPr lang="en-US" sz="3400" dirty="0" smtClean="0"/>
+              <a:t> Profiles data. </a:t>
+            </a:r>
+          </a:p>
+          <a:p>
+            <a:endParaRPr lang="en-US" sz="3400" dirty="0"/>
+          </a:p>
+          <a:p>
+            <a:r>
+              <a:rPr lang="en-US" sz="3400" dirty="0" smtClean="0"/>
+              <a:t>The popular bars will also be marked on the map. </a:t>
+            </a:r>
+          </a:p>
+          <a:p>
+            <a:endParaRPr lang="en-US" sz="3400" dirty="0" smtClean="0"/>
+          </a:p>
+          <a:p>
+            <a:r>
+              <a:rPr lang="en-US" sz="3400" dirty="0" smtClean="0"/>
+              <a:t>The results will be analyzed and the recommendation(s) for the location of a new bar will be provided in the report conclusion.</a:t>
+            </a:r>
+            <a:endParaRPr lang="en-CA" sz="3400" dirty="0" smtClean="0"/>
+          </a:p>
+          <a:p>
+            <a:endParaRPr lang="en-CA" dirty="0"/>
+          </a:p>
+        </p:txBody>
+      </p:sp>
+    </p:spTree>
+    <p:extLst>
+      <p:ext uri="{BB962C8B-B14F-4D97-AF65-F5344CB8AC3E}">
+        <p14:creationId xmlns:p14="http://schemas.microsoft.com/office/powerpoint/2010/main" val="2927114303"/>
+      </p:ext>
+    </p:extLst>
+  </p:cSld>
+  <p:clrMapOvr>
+    <a:masterClrMapping/>
+  </p:clrMapOvr>
+</p:sld>
+</file>
+
+<file path=ppt/slides/slide6.xml><?xml version="1.0" encoding="utf-8"?>
+<p:sld xmlns:a="http://schemas.openxmlformats.org/drawingml/2006/main" xmlns:r="http://schemas.openxmlformats.org/officeDocument/2006/relationships" xmlns:p="http://schemas.openxmlformats.org/presentationml/2006/main">
+  <p:cSld>
+    <p:spTree>
+      <p:nvGrpSpPr>
+        <p:cNvPr id="1" name=""/>
+        <p:cNvGrpSpPr/>
+        <p:nvPr/>
+      </p:nvGrpSpPr>
+      <p:grpSpPr>
+        <a:xfrm>
+          <a:off x="0" y="0"/>
+          <a:ext cx="0" cy="0"/>
+          <a:chOff x="0" y="0"/>
+          <a:chExt cx="0" cy="0"/>
+        </a:xfrm>
+      </p:grpSpPr>
+      <p:sp>
+        <p:nvSpPr>
+          <p:cNvPr id="2" name="Title 1"/>
+          <p:cNvSpPr>
+            <a:spLocks noGrp="1"/>
+          </p:cNvSpPr>
+          <p:nvPr>
+            <p:ph type="title"/>
+          </p:nvPr>
+        </p:nvSpPr>
+        <p:spPr>
+          <a:xfrm>
+            <a:off x="457200" y="274638"/>
+            <a:ext cx="8229600" cy="563562"/>
+          </a:xfrm>
+        </p:spPr>
+        <p:txBody>
+          <a:bodyPr>
+            <a:normAutofit fontScale="90000"/>
+          </a:bodyPr>
+          <a:lstStyle/>
+          <a:p>
+            <a:r>
+              <a:rPr lang="en-CA" sz="4000" dirty="0" smtClean="0">
+                <a:solidFill>
+                  <a:schemeClr val="tx2">
+                    <a:lumMod val="60000"/>
+                    <a:lumOff val="40000"/>
+                  </a:schemeClr>
+                </a:solidFill>
+              </a:rPr>
+              <a:t>The Methodology</a:t>
+            </a:r>
+            <a:endParaRPr lang="en-CA" sz="4000" dirty="0">
+              <a:solidFill>
+                <a:schemeClr val="tx2">
+                  <a:lumMod val="60000"/>
+                  <a:lumOff val="40000"/>
+                </a:schemeClr>
+              </a:solidFill>
+            </a:endParaRPr>
+          </a:p>
+        </p:txBody>
+      </p:sp>
+      <p:sp>
+        <p:nvSpPr>
+          <p:cNvPr id="3" name="Content Placeholder 2"/>
+          <p:cNvSpPr>
+            <a:spLocks noGrp="1"/>
+          </p:cNvSpPr>
+          <p:nvPr>
+            <p:ph idx="1"/>
+          </p:nvPr>
+        </p:nvSpPr>
+        <p:spPr>
+          <a:xfrm>
+            <a:off x="457200" y="914400"/>
+            <a:ext cx="8229600" cy="5410200"/>
+          </a:xfrm>
+        </p:spPr>
+        <p:txBody>
+          <a:bodyPr>
+            <a:normAutofit fontScale="47500" lnSpcReduction="20000"/>
+          </a:bodyPr>
+          <a:lstStyle/>
+          <a:p>
+            <a:r>
+              <a:rPr lang="en-CA" dirty="0" smtClean="0">
+                <a:solidFill>
+                  <a:schemeClr val="accent6">
+                    <a:lumMod val="75000"/>
+                  </a:schemeClr>
+                </a:solidFill>
+              </a:rPr>
+              <a:t>Using </a:t>
+            </a:r>
+            <a:r>
+              <a:rPr lang="en-CA" dirty="0">
+                <a:solidFill>
+                  <a:schemeClr val="accent6">
+                    <a:lumMod val="75000"/>
+                  </a:schemeClr>
+                </a:solidFill>
+              </a:rPr>
+              <a:t>the Foursquare API, collected all the popular venues for all the neighborhoods in Toronto. </a:t>
+            </a:r>
+            <a:endParaRPr lang="en-CA" dirty="0" smtClean="0">
+              <a:solidFill>
+                <a:schemeClr val="accent6">
+                  <a:lumMod val="75000"/>
+                </a:schemeClr>
+              </a:solidFill>
+            </a:endParaRPr>
+          </a:p>
+          <a:p>
+            <a:endParaRPr lang="en-CA" dirty="0">
+              <a:solidFill>
+                <a:schemeClr val="accent6">
+                  <a:lumMod val="75000"/>
+                </a:schemeClr>
+              </a:solidFill>
+            </a:endParaRPr>
+          </a:p>
+          <a:p>
+            <a:endParaRPr lang="en-CA" dirty="0" smtClean="0"/>
+          </a:p>
+          <a:p>
+            <a:endParaRPr lang="en-CA" dirty="0"/>
+          </a:p>
+          <a:p>
+            <a:endParaRPr lang="en-CA" dirty="0" smtClean="0"/>
+          </a:p>
+          <a:p>
+            <a:endParaRPr lang="en-CA" dirty="0"/>
+          </a:p>
+          <a:p>
+            <a:endParaRPr lang="en-CA" dirty="0" smtClean="0"/>
+          </a:p>
+          <a:p>
+            <a:endParaRPr lang="en-CA" dirty="0"/>
+          </a:p>
+          <a:p>
+            <a:endParaRPr lang="en-CA" dirty="0" smtClean="0"/>
+          </a:p>
+          <a:p>
+            <a:r>
+              <a:rPr lang="en-CA" dirty="0" smtClean="0">
+                <a:solidFill>
+                  <a:schemeClr val="accent6">
+                    <a:lumMod val="75000"/>
+                  </a:schemeClr>
+                </a:solidFill>
+              </a:rPr>
+              <a:t>Then</a:t>
+            </a:r>
+            <a:r>
+              <a:rPr lang="en-CA" dirty="0">
+                <a:solidFill>
+                  <a:schemeClr val="accent6">
+                    <a:lumMod val="75000"/>
+                  </a:schemeClr>
+                </a:solidFill>
+              </a:rPr>
+              <a:t>, filtered the venues to include bar venues only. Analyzed and grouped each neighborhood by taking the mean of the frequency of occurrence of each bar type. </a:t>
+            </a:r>
+            <a:endParaRPr lang="en-CA" dirty="0" smtClean="0">
+              <a:solidFill>
+                <a:schemeClr val="accent6">
+                  <a:lumMod val="75000"/>
+                </a:schemeClr>
+              </a:solidFill>
+            </a:endParaRPr>
+          </a:p>
+          <a:p>
+            <a:endParaRPr lang="en-CA" dirty="0" smtClean="0"/>
+          </a:p>
+          <a:p>
+            <a:endParaRPr lang="en-CA" dirty="0" smtClean="0"/>
+          </a:p>
+          <a:p>
+            <a:endParaRPr lang="en-CA" dirty="0"/>
+          </a:p>
+          <a:p>
+            <a:endParaRPr lang="en-CA" dirty="0" smtClean="0"/>
+          </a:p>
+          <a:p>
+            <a:endParaRPr lang="en-CA" dirty="0"/>
+          </a:p>
+          <a:p>
+            <a:endParaRPr lang="en-CA" dirty="0" smtClean="0"/>
+          </a:p>
+          <a:p>
+            <a:endParaRPr lang="en-CA" dirty="0"/>
+          </a:p>
+          <a:p>
+            <a:r>
+              <a:rPr lang="en-CA" dirty="0" smtClean="0">
+                <a:solidFill>
+                  <a:schemeClr val="accent6">
+                    <a:lumMod val="75000"/>
+                  </a:schemeClr>
+                </a:solidFill>
+              </a:rPr>
+              <a:t>Each </a:t>
+            </a:r>
+            <a:r>
+              <a:rPr lang="en-CA" dirty="0">
+                <a:solidFill>
+                  <a:schemeClr val="accent6">
+                    <a:lumMod val="75000"/>
+                  </a:schemeClr>
+                </a:solidFill>
+              </a:rPr>
+              <a:t>neighbourhood along with the top 5 most common venues were determined</a:t>
+            </a:r>
+            <a:r>
+              <a:rPr lang="en-CA" dirty="0"/>
+              <a:t>. </a:t>
+            </a:r>
+            <a:endParaRPr lang="en-CA" dirty="0" smtClean="0"/>
+          </a:p>
+          <a:p>
+            <a:endParaRPr lang="en-CA" dirty="0"/>
+          </a:p>
+          <a:p>
+            <a:endParaRPr lang="en-CA" dirty="0" smtClean="0"/>
+          </a:p>
+          <a:p>
+            <a:endParaRPr lang="en-CA" dirty="0"/>
+          </a:p>
+          <a:p>
+            <a:endParaRPr lang="en-CA" dirty="0" smtClean="0"/>
+          </a:p>
+          <a:p>
+            <a:endParaRPr lang="en-CA" dirty="0" smtClean="0"/>
+          </a:p>
+        </p:txBody>
+      </p:sp>
+      <p:pic>
+        <p:nvPicPr>
+          <p:cNvPr id="2050" name="Picture 2"/>
+          <p:cNvPicPr>
+            <a:picLocks noChangeAspect="1" noChangeArrowheads="1"/>
+          </p:cNvPicPr>
+          <p:nvPr/>
+        </p:nvPicPr>
+        <p:blipFill>
+          <a:blip r:embed="rId2">
+            <a:extLst>
+              <a:ext uri="{28A0092B-C50C-407E-A947-70E740481C1C}">
+                <a14:useLocalDpi xmlns:a14="http://schemas.microsoft.com/office/drawing/2010/main" val="0"/>
+              </a:ext>
+            </a:extLst>
+          </a:blip>
+          <a:srcRect/>
+          <a:stretch>
+            <a:fillRect/>
+          </a:stretch>
+        </p:blipFill>
+        <p:spPr bwMode="auto">
+          <a:xfrm>
+            <a:off x="838200" y="1219200"/>
+            <a:ext cx="7548563" cy="1455145"/>
+          </a:xfrm>
+          <a:prstGeom prst="rect">
+            <a:avLst/>
+          </a:prstGeom>
+          <a:noFill/>
+          <a:ln>
+            <a:noFill/>
+          </a:ln>
+          <a:extLst>
+            <a:ext uri="{909E8E84-426E-40DD-AFC4-6F175D3DCCD1}">
+              <a14:hiddenFill xmlns:a14="http://schemas.microsoft.com/office/drawing/2010/main">
+                <a:solidFill>
+                  <a:schemeClr val="accent1"/>
+                </a:solidFill>
+              </a14:hiddenFill>
+            </a:ext>
+            <a:ext uri="{91240B29-F687-4F45-9708-019B960494DF}">
+              <a14:hiddenLine xmlns:a14="http://schemas.microsoft.com/office/drawing/2010/main" w="9525">
+                <a:solidFill>
+                  <a:schemeClr val="tx1"/>
+                </a:solidFill>
+                <a:miter lim="800000"/>
+                <a:headEnd/>
+                <a:tailEnd/>
+              </a14:hiddenLine>
+            </a:ext>
+          </a:extLst>
+        </p:spPr>
+      </p:pic>
+      <p:pic>
+        <p:nvPicPr>
+          <p:cNvPr id="2051" name="Picture 3"/>
+          <p:cNvPicPr>
+            <a:picLocks noChangeAspect="1" noChangeArrowheads="1"/>
+          </p:cNvPicPr>
+          <p:nvPr/>
+        </p:nvPicPr>
+        <p:blipFill>
+          <a:blip r:embed="rId3">
+            <a:extLst>
+              <a:ext uri="{28A0092B-C50C-407E-A947-70E740481C1C}">
+                <a14:useLocalDpi xmlns:a14="http://schemas.microsoft.com/office/drawing/2010/main" val="0"/>
+              </a:ext>
+            </a:extLst>
+          </a:blip>
+          <a:srcRect/>
+          <a:stretch>
+            <a:fillRect/>
+          </a:stretch>
+        </p:blipFill>
+        <p:spPr bwMode="auto">
+          <a:xfrm>
+            <a:off x="792561" y="3505200"/>
+            <a:ext cx="7639839" cy="1219200"/>
+          </a:xfrm>
+          <a:prstGeom prst="rect">
+            <a:avLst/>
+          </a:prstGeom>
+          <a:noFill/>
+          <a:ln>
+            <a:noFill/>
+          </a:ln>
+          <a:extLst>
+            <a:ext uri="{909E8E84-426E-40DD-AFC4-6F175D3DCCD1}">
+              <a14:hiddenFill xmlns:a14="http://schemas.microsoft.com/office/drawing/2010/main">
+                <a:solidFill>
+                  <a:schemeClr val="accent1"/>
+                </a:solidFill>
+              </a14:hiddenFill>
+            </a:ext>
+            <a:ext uri="{91240B29-F687-4F45-9708-019B960494DF}">
+              <a14:hiddenLine xmlns:a14="http://schemas.microsoft.com/office/drawing/2010/main" w="9525">
+                <a:solidFill>
+                  <a:schemeClr val="tx1"/>
+                </a:solidFill>
+                <a:miter lim="800000"/>
+                <a:headEnd/>
+                <a:tailEnd/>
+              </a14:hiddenLine>
+            </a:ext>
+          </a:extLst>
+        </p:spPr>
+      </p:pic>
+      <p:pic>
+        <p:nvPicPr>
+          <p:cNvPr id="2055" name="Picture 7"/>
+          <p:cNvPicPr>
+            <a:picLocks noChangeAspect="1" noChangeArrowheads="1"/>
+          </p:cNvPicPr>
+          <p:nvPr/>
+        </p:nvPicPr>
+        <p:blipFill>
+          <a:blip r:embed="rId4">
+            <a:extLst>
+              <a:ext uri="{28A0092B-C50C-407E-A947-70E740481C1C}">
+                <a14:useLocalDpi xmlns:a14="http://schemas.microsoft.com/office/drawing/2010/main" val="0"/>
+              </a:ext>
+            </a:extLst>
+          </a:blip>
+          <a:srcRect/>
+          <a:stretch>
+            <a:fillRect/>
+          </a:stretch>
+        </p:blipFill>
+        <p:spPr bwMode="auto">
+          <a:xfrm>
+            <a:off x="838200" y="5257800"/>
+            <a:ext cx="7298532" cy="1368981"/>
+          </a:xfrm>
+          <a:prstGeom prst="rect">
+            <a:avLst/>
+          </a:prstGeom>
+          <a:noFill/>
+          <a:ln>
+            <a:noFill/>
+          </a:ln>
+          <a:extLst>
+            <a:ext uri="{909E8E84-426E-40DD-AFC4-6F175D3DCCD1}">
+              <a14:hiddenFill xmlns:a14="http://schemas.microsoft.com/office/drawing/2010/main">
+                <a:solidFill>
+                  <a:schemeClr val="accent1"/>
+                </a:solidFill>
+              </a14:hiddenFill>
+            </a:ext>
+            <a:ext uri="{91240B29-F687-4F45-9708-019B960494DF}">
+              <a14:hiddenLine xmlns:a14="http://schemas.microsoft.com/office/drawing/2010/main" w="9525">
+                <a:solidFill>
+                  <a:schemeClr val="tx1"/>
+                </a:solidFill>
+                <a:miter lim="800000"/>
+                <a:headEnd/>
+                <a:tailEnd/>
+              </a14:hiddenLine>
+            </a:ext>
+          </a:extLst>
+        </p:spPr>
+      </p:pic>
+    </p:spTree>
+    <p:extLst>
+      <p:ext uri="{BB962C8B-B14F-4D97-AF65-F5344CB8AC3E}">
+        <p14:creationId xmlns:p14="http://schemas.microsoft.com/office/powerpoint/2010/main" val="1106663074"/>
+      </p:ext>
+    </p:extLst>
+  </p:cSld>
+  <p:clrMapOvr>
+    <a:masterClrMapping/>
+  </p:clrMapOvr>
+</p:sld>
+</file>
+
+<file path=ppt/slides/slide7.xml><?xml version="1.0" encoding="utf-8"?>
+<p:sld xmlns:a="http://schemas.openxmlformats.org/drawingml/2006/main" xmlns:r="http://schemas.openxmlformats.org/officeDocument/2006/relationships" xmlns:p="http://schemas.openxmlformats.org/presentationml/2006/main">
+  <p:cSld>
+    <p:spTree>
+      <p:nvGrpSpPr>
+        <p:cNvPr id="1" name=""/>
+        <p:cNvGrpSpPr/>
+        <p:nvPr/>
+      </p:nvGrpSpPr>
+      <p:grpSpPr>
+        <a:xfrm>
+          <a:off x="0" y="0"/>
+          <a:ext cx="0" cy="0"/>
+          <a:chOff x="0" y="0"/>
+          <a:chExt cx="0" cy="0"/>
+        </a:xfrm>
+      </p:grpSpPr>
+      <p:sp>
+        <p:nvSpPr>
+          <p:cNvPr id="2" name="Title 1"/>
+          <p:cNvSpPr>
+            <a:spLocks noGrp="1"/>
+          </p:cNvSpPr>
+          <p:nvPr>
+            <p:ph type="title"/>
+          </p:nvPr>
+        </p:nvSpPr>
+        <p:spPr>
+          <a:xfrm>
+            <a:off x="457200" y="76200"/>
+            <a:ext cx="8229600" cy="792162"/>
+          </a:xfrm>
+        </p:spPr>
+        <p:txBody>
+          <a:bodyPr>
+            <a:normAutofit/>
+          </a:bodyPr>
+          <a:lstStyle/>
+          <a:p>
+            <a:r>
+              <a:rPr lang="en-CA" sz="4000" dirty="0" smtClean="0">
+                <a:solidFill>
+                  <a:schemeClr val="tx2">
+                    <a:lumMod val="60000"/>
+                    <a:lumOff val="40000"/>
+                  </a:schemeClr>
+                </a:solidFill>
+              </a:rPr>
+              <a:t>The Methodology</a:t>
+            </a:r>
+            <a:endParaRPr lang="en-CA" sz="4000" dirty="0"/>
+          </a:p>
+        </p:txBody>
+      </p:sp>
+      <p:sp>
+        <p:nvSpPr>
+          <p:cNvPr id="3" name="Content Placeholder 2"/>
+          <p:cNvSpPr>
+            <a:spLocks noGrp="1"/>
+          </p:cNvSpPr>
+          <p:nvPr>
+            <p:ph idx="1"/>
+          </p:nvPr>
+        </p:nvSpPr>
+        <p:spPr>
+          <a:xfrm>
+            <a:off x="457200" y="838200"/>
+            <a:ext cx="8229600" cy="5943600"/>
+          </a:xfrm>
+        </p:spPr>
+        <p:txBody>
+          <a:bodyPr>
+            <a:normAutofit lnSpcReduction="10000"/>
+          </a:bodyPr>
+          <a:lstStyle/>
+          <a:p>
+            <a:r>
+              <a:rPr lang="en-CA" sz="1500" dirty="0" smtClean="0">
+                <a:solidFill>
+                  <a:schemeClr val="accent6">
+                    <a:lumMod val="75000"/>
+                  </a:schemeClr>
+                </a:solidFill>
+              </a:rPr>
+              <a:t>Calculated the average number of bars, by type, in each neighborhood.</a:t>
+            </a:r>
+          </a:p>
+          <a:p>
+            <a:endParaRPr lang="en-CA" sz="1500" dirty="0" smtClean="0"/>
+          </a:p>
+          <a:p>
+            <a:endParaRPr lang="en-CA" sz="1500" dirty="0" smtClean="0"/>
+          </a:p>
+          <a:p>
+            <a:endParaRPr lang="en-CA" sz="1500" dirty="0"/>
+          </a:p>
+          <a:p>
+            <a:endParaRPr lang="en-CA" sz="1500" dirty="0" smtClean="0"/>
+          </a:p>
+          <a:p>
+            <a:endParaRPr lang="en-CA" sz="1500" dirty="0"/>
+          </a:p>
+          <a:p>
+            <a:endParaRPr lang="en-CA" sz="1500" dirty="0" smtClean="0"/>
+          </a:p>
+          <a:p>
+            <a:r>
+              <a:rPr lang="en-CA" sz="1500" dirty="0" smtClean="0">
+                <a:solidFill>
+                  <a:schemeClr val="accent6">
+                    <a:lumMod val="75000"/>
+                  </a:schemeClr>
+                </a:solidFill>
+              </a:rPr>
+              <a:t>The venues for each neighbourhood were arranged and sorted by the top 3 bar types. </a:t>
+            </a:r>
+          </a:p>
+          <a:p>
+            <a:endParaRPr lang="en-CA" sz="1500" dirty="0" smtClean="0"/>
+          </a:p>
+          <a:p>
+            <a:endParaRPr lang="en-CA" sz="1500" dirty="0"/>
+          </a:p>
+          <a:p>
+            <a:endParaRPr lang="en-CA" sz="1500" dirty="0" smtClean="0"/>
+          </a:p>
+          <a:p>
+            <a:endParaRPr lang="en-CA" sz="1500" dirty="0" smtClean="0"/>
+          </a:p>
+          <a:p>
+            <a:endParaRPr lang="en-CA" sz="1500" dirty="0"/>
+          </a:p>
+          <a:p>
+            <a:endParaRPr lang="en-CA" sz="1500" dirty="0" smtClean="0"/>
+          </a:p>
+          <a:p>
+            <a:endParaRPr lang="en-CA" sz="1500" dirty="0" smtClean="0"/>
+          </a:p>
+          <a:p>
+            <a:endParaRPr lang="en-CA" sz="1500" dirty="0"/>
+          </a:p>
+          <a:p>
+            <a:endParaRPr lang="en-CA" sz="1500" dirty="0" smtClean="0"/>
+          </a:p>
+          <a:p>
+            <a:endParaRPr lang="en-CA" sz="1500" dirty="0"/>
+          </a:p>
+          <a:p>
+            <a:endParaRPr lang="en-CA" sz="1500" dirty="0" smtClean="0"/>
+          </a:p>
+          <a:p>
+            <a:endParaRPr lang="en-CA" sz="1500" dirty="0"/>
+          </a:p>
+          <a:p>
+            <a:r>
+              <a:rPr lang="en-CA" sz="1500" dirty="0" err="1" smtClean="0">
+                <a:solidFill>
+                  <a:schemeClr val="accent6">
+                    <a:lumMod val="75000"/>
+                  </a:schemeClr>
+                </a:solidFill>
+              </a:rPr>
+              <a:t>KMeans</a:t>
+            </a:r>
+            <a:r>
+              <a:rPr lang="en-CA" sz="1500" dirty="0" smtClean="0">
+                <a:solidFill>
+                  <a:schemeClr val="accent6">
+                    <a:lumMod val="75000"/>
+                  </a:schemeClr>
+                </a:solidFill>
+              </a:rPr>
+              <a:t> was applied to create 4 clusters of bar types. Examined the clusters of bar types and classified each cluster. </a:t>
+            </a:r>
+          </a:p>
+          <a:p>
+            <a:endParaRPr lang="en-CA" sz="1500" dirty="0" smtClean="0"/>
+          </a:p>
+          <a:p>
+            <a:endParaRPr lang="en-CA" sz="1500" dirty="0"/>
+          </a:p>
+          <a:p>
+            <a:endParaRPr lang="en-CA" sz="1500" dirty="0" smtClean="0"/>
+          </a:p>
+          <a:p>
+            <a:endParaRPr lang="en-CA" sz="1500" dirty="0" smtClean="0"/>
+          </a:p>
+          <a:p>
+            <a:endParaRPr lang="en-CA" sz="1500" dirty="0"/>
+          </a:p>
+          <a:p>
+            <a:endParaRPr lang="en-CA" dirty="0"/>
+          </a:p>
+          <a:p>
+            <a:endParaRPr lang="en-CA" dirty="0" smtClean="0"/>
+          </a:p>
+          <a:p>
+            <a:endParaRPr lang="en-CA" dirty="0" smtClean="0"/>
+          </a:p>
+          <a:p>
+            <a:endParaRPr lang="en-CA" dirty="0"/>
+          </a:p>
+        </p:txBody>
+      </p:sp>
+      <p:pic>
+        <p:nvPicPr>
+          <p:cNvPr id="3077" name="Picture 5"/>
+          <p:cNvPicPr>
+            <a:picLocks noChangeAspect="1" noChangeArrowheads="1"/>
+          </p:cNvPicPr>
+          <p:nvPr/>
+        </p:nvPicPr>
+        <p:blipFill>
+          <a:blip r:embed="rId2">
+            <a:extLst>
+              <a:ext uri="{28A0092B-C50C-407E-A947-70E740481C1C}">
+                <a14:useLocalDpi xmlns:a14="http://schemas.microsoft.com/office/drawing/2010/main" val="0"/>
+              </a:ext>
+            </a:extLst>
+          </a:blip>
+          <a:srcRect/>
+          <a:stretch>
+            <a:fillRect/>
+          </a:stretch>
+        </p:blipFill>
+        <p:spPr bwMode="auto">
+          <a:xfrm>
+            <a:off x="762000" y="1143000"/>
+            <a:ext cx="6934200" cy="1419225"/>
+          </a:xfrm>
+          <a:prstGeom prst="rect">
+            <a:avLst/>
+          </a:prstGeom>
+          <a:noFill/>
+          <a:ln>
+            <a:noFill/>
+          </a:ln>
+          <a:extLst>
+            <a:ext uri="{909E8E84-426E-40DD-AFC4-6F175D3DCCD1}">
+              <a14:hiddenFill xmlns:a14="http://schemas.microsoft.com/office/drawing/2010/main">
+                <a:solidFill>
+                  <a:schemeClr val="accent1"/>
+                </a:solidFill>
+              </a14:hiddenFill>
+            </a:ext>
+            <a:ext uri="{91240B29-F687-4F45-9708-019B960494DF}">
+              <a14:hiddenLine xmlns:a14="http://schemas.microsoft.com/office/drawing/2010/main" w="9525">
+                <a:solidFill>
+                  <a:schemeClr val="tx1"/>
+                </a:solidFill>
+                <a:miter lim="800000"/>
+                <a:headEnd/>
+                <a:tailEnd/>
+              </a14:hiddenLine>
+            </a:ext>
+          </a:extLst>
+        </p:spPr>
+      </p:pic>
+      <p:pic>
+        <p:nvPicPr>
+          <p:cNvPr id="3078" name="Picture 6"/>
+          <p:cNvPicPr>
+            <a:picLocks noChangeAspect="1" noChangeArrowheads="1"/>
+          </p:cNvPicPr>
+          <p:nvPr/>
+        </p:nvPicPr>
+        <p:blipFill>
+          <a:blip r:embed="rId3">
+            <a:extLst>
+              <a:ext uri="{28A0092B-C50C-407E-A947-70E740481C1C}">
+                <a14:useLocalDpi xmlns:a14="http://schemas.microsoft.com/office/drawing/2010/main" val="0"/>
+              </a:ext>
+            </a:extLst>
+          </a:blip>
+          <a:srcRect/>
+          <a:stretch>
+            <a:fillRect/>
+          </a:stretch>
+        </p:blipFill>
+        <p:spPr bwMode="auto">
+          <a:xfrm>
+            <a:off x="753177" y="2867025"/>
+            <a:ext cx="7677150" cy="2924175"/>
+          </a:xfrm>
+          <a:prstGeom prst="rect">
+            <a:avLst/>
+          </a:prstGeom>
+          <a:noFill/>
+          <a:ln>
+            <a:noFill/>
+          </a:ln>
+          <a:extLst>
+            <a:ext uri="{909E8E84-426E-40DD-AFC4-6F175D3DCCD1}">
+              <a14:hiddenFill xmlns:a14="http://schemas.microsoft.com/office/drawing/2010/main">
+                <a:solidFill>
+                  <a:schemeClr val="accent1"/>
+                </a:solidFill>
+              </a14:hiddenFill>
+            </a:ext>
+            <a:ext uri="{91240B29-F687-4F45-9708-019B960494DF}">
+              <a14:hiddenLine xmlns:a14="http://schemas.microsoft.com/office/drawing/2010/main" w="9525">
+                <a:solidFill>
+                  <a:schemeClr val="tx1"/>
+                </a:solidFill>
+                <a:miter lim="800000"/>
+                <a:headEnd/>
+                <a:tailEnd/>
+              </a14:hiddenLine>
+            </a:ext>
+          </a:extLst>
+        </p:spPr>
+      </p:pic>
+    </p:spTree>
+    <p:extLst>
+      <p:ext uri="{BB962C8B-B14F-4D97-AF65-F5344CB8AC3E}">
+        <p14:creationId xmlns:p14="http://schemas.microsoft.com/office/powerpoint/2010/main" val="207960450"/>
+      </p:ext>
+    </p:extLst>
+  </p:cSld>
+  <p:clrMapOvr>
+    <a:masterClrMapping/>
+  </p:clrMapOvr>
+</p:sld>
+</file>
+
+<file path=ppt/slides/slide8.xml><?xml version="1.0" encoding="utf-8"?>
+<p:sld xmlns:a="http://schemas.openxmlformats.org/drawingml/2006/main" xmlns:r="http://schemas.openxmlformats.org/officeDocument/2006/relationships" xmlns:p="http://schemas.openxmlformats.org/presentationml/2006/main">
+  <p:cSld>
+    <p:spTree>
+      <p:nvGrpSpPr>
+        <p:cNvPr id="1" name=""/>
+        <p:cNvGrpSpPr/>
+        <p:nvPr/>
+      </p:nvGrpSpPr>
+      <p:grpSpPr>
+        <a:xfrm>
+          <a:off x="0" y="0"/>
+          <a:ext cx="0" cy="0"/>
+          <a:chOff x="0" y="0"/>
+          <a:chExt cx="0" cy="0"/>
+        </a:xfrm>
+      </p:grpSpPr>
+      <p:sp>
+        <p:nvSpPr>
+          <p:cNvPr id="2" name="Title 1"/>
+          <p:cNvSpPr>
+            <a:spLocks noGrp="1"/>
+          </p:cNvSpPr>
+          <p:nvPr>
+            <p:ph type="title"/>
+          </p:nvPr>
+        </p:nvSpPr>
+        <p:spPr>
+          <a:xfrm>
+            <a:off x="457200" y="76200"/>
+            <a:ext cx="8229600" cy="792162"/>
+          </a:xfrm>
+        </p:spPr>
+        <p:txBody>
+          <a:bodyPr>
+            <a:normAutofit/>
+          </a:bodyPr>
+          <a:lstStyle/>
+          <a:p>
+            <a:r>
+              <a:rPr lang="en-CA" sz="2800" dirty="0" smtClean="0">
+                <a:solidFill>
+                  <a:schemeClr val="tx2">
+                    <a:lumMod val="60000"/>
+                    <a:lumOff val="40000"/>
+                  </a:schemeClr>
+                </a:solidFill>
+              </a:rPr>
+              <a:t>Cluster 1 – Upscale/High End Bars</a:t>
+            </a:r>
+            <a:endParaRPr lang="en-CA" sz="2800" dirty="0"/>
+          </a:p>
+        </p:txBody>
+      </p:sp>
+      <p:sp>
+        <p:nvSpPr>
+          <p:cNvPr id="3" name="Content Placeholder 2"/>
+          <p:cNvSpPr>
+            <a:spLocks noGrp="1"/>
+          </p:cNvSpPr>
+          <p:nvPr>
+            <p:ph idx="1"/>
+          </p:nvPr>
+        </p:nvSpPr>
+        <p:spPr>
+          <a:xfrm>
+            <a:off x="457200" y="838200"/>
+            <a:ext cx="8229600" cy="5943600"/>
+          </a:xfrm>
+        </p:spPr>
+        <p:txBody>
+          <a:bodyPr>
+            <a:normAutofit/>
+          </a:bodyPr>
+          <a:lstStyle/>
+          <a:p>
+            <a:endParaRPr lang="en-CA" sz="1500" dirty="0" smtClean="0"/>
+          </a:p>
+          <a:p>
+            <a:endParaRPr lang="en-CA" sz="1500" dirty="0" smtClean="0"/>
+          </a:p>
+          <a:p>
+            <a:endParaRPr lang="en-CA" sz="1500" dirty="0"/>
+          </a:p>
+          <a:p>
+            <a:endParaRPr lang="en-CA" sz="1500" dirty="0" smtClean="0"/>
+          </a:p>
+          <a:p>
+            <a:endParaRPr lang="en-CA" sz="1500" dirty="0" smtClean="0"/>
+          </a:p>
+          <a:p>
+            <a:endParaRPr lang="en-CA" sz="1500" dirty="0"/>
+          </a:p>
+          <a:p>
+            <a:endParaRPr lang="en-CA" sz="1500" dirty="0" smtClean="0"/>
+          </a:p>
+          <a:p>
+            <a:endParaRPr lang="en-CA" sz="1500" dirty="0" smtClean="0"/>
+          </a:p>
+          <a:p>
+            <a:endParaRPr lang="en-CA" sz="1500" dirty="0"/>
+          </a:p>
+          <a:p>
+            <a:endParaRPr lang="en-CA" sz="1500" dirty="0" smtClean="0"/>
+          </a:p>
+          <a:p>
+            <a:endParaRPr lang="en-CA" sz="1500" dirty="0" smtClean="0"/>
+          </a:p>
+          <a:p>
+            <a:endParaRPr lang="en-CA" sz="1500" dirty="0"/>
+          </a:p>
+          <a:p>
+            <a:r>
+              <a:rPr lang="en-CA" sz="1500" dirty="0" smtClean="0"/>
+              <a:t>Then, loaded in the Wellbeing information and calculated the overall score with a weighted crime value. Loaded in the Toronto Neighbourhood geo codes and mapped the results.</a:t>
+            </a:r>
+          </a:p>
+          <a:p>
+            <a:endParaRPr lang="en-CA" sz="1500" dirty="0" smtClean="0"/>
+          </a:p>
+          <a:p>
+            <a:endParaRPr lang="en-CA" dirty="0"/>
+          </a:p>
+          <a:p>
+            <a:endParaRPr lang="en-CA" dirty="0" smtClean="0"/>
+          </a:p>
+          <a:p>
+            <a:endParaRPr lang="en-CA" dirty="0" smtClean="0"/>
+          </a:p>
+          <a:p>
+            <a:endParaRPr lang="en-CA" dirty="0"/>
+          </a:p>
+        </p:txBody>
+      </p:sp>
+      <p:pic>
+        <p:nvPicPr>
+          <p:cNvPr id="3076" name="Picture 4"/>
+          <p:cNvPicPr>
+            <a:picLocks noChangeAspect="1" noChangeArrowheads="1"/>
+          </p:cNvPicPr>
+          <p:nvPr/>
+        </p:nvPicPr>
+        <p:blipFill rotWithShape="1">
+          <a:blip r:embed="rId2">
+            <a:extLst>
+              <a:ext uri="{28A0092B-C50C-407E-A947-70E740481C1C}">
+                <a14:useLocalDpi xmlns:a14="http://schemas.microsoft.com/office/drawing/2010/main" val="0"/>
+              </a:ext>
+            </a:extLst>
+          </a:blip>
+          <a:srcRect t="4918"/>
+          <a:stretch/>
+        </p:blipFill>
+        <p:spPr bwMode="auto">
+          <a:xfrm>
+            <a:off x="310508" y="1066800"/>
+            <a:ext cx="8681092" cy="5082942"/>
+          </a:xfrm>
+          <a:prstGeom prst="rect">
+            <a:avLst/>
+          </a:prstGeom>
+          <a:noFill/>
+          <a:ln>
+            <a:noFill/>
+          </a:ln>
+          <a:extLst>
+            <a:ext uri="{909E8E84-426E-40DD-AFC4-6F175D3DCCD1}">
+              <a14:hiddenFill xmlns:a14="http://schemas.microsoft.com/office/drawing/2010/main">
+                <a:solidFill>
+                  <a:schemeClr val="accent1"/>
+                </a:solidFill>
+              </a14:hiddenFill>
+            </a:ext>
+            <a:ext uri="{91240B29-F687-4F45-9708-019B960494DF}">
+              <a14:hiddenLine xmlns:a14="http://schemas.microsoft.com/office/drawing/2010/main" w="9525">
+                <a:solidFill>
+                  <a:schemeClr val="tx1"/>
+                </a:solidFill>
+                <a:miter lim="800000"/>
+                <a:headEnd/>
+                <a:tailEnd/>
+              </a14:hiddenLine>
+            </a:ext>
+          </a:extLst>
+        </p:spPr>
+      </p:pic>
+    </p:spTree>
+    <p:extLst>
+      <p:ext uri="{BB962C8B-B14F-4D97-AF65-F5344CB8AC3E}">
+        <p14:creationId xmlns:p14="http://schemas.microsoft.com/office/powerpoint/2010/main" val="1768714382"/>
+      </p:ext>
+    </p:extLst>
+  </p:cSld>
+  <p:clrMapOvr>
+    <a:masterClrMapping/>
+  </p:clrMapOvr>
+</p:sld>
+</file>
+
 <file path=ppt/slides/slide9.xml><?xml version="1.0" encoding="utf-8"?>
 <p:sld xmlns:a="http://schemas.openxmlformats.org/drawingml/2006/main" xmlns:r="http://schemas.openxmlformats.org/officeDocument/2006/relationships" xmlns:p="http://schemas.openxmlformats.org/presentationml/2006/main">
   <p:cSld>
@@ -4572,7 +5768,12 @@
             <p:ph type="title"/>
           </p:nvPr>
         </p:nvSpPr>
-        <p:spPr/>
+        <p:spPr>
+          <a:xfrm>
+            <a:off x="457200" y="76200"/>
+            <a:ext cx="8229600" cy="792162"/>
+          </a:xfrm>
+        </p:spPr>
         <p:txBody>
           <a:bodyPr>
             <a:normAutofit/>
@@ -4580,7 +5781,7 @@
           <a:lstStyle/>
           <a:p>
             <a:r>
-              <a:rPr lang="en-CA" sz="4000" dirty="0" smtClean="0">
+              <a:rPr lang="en-CA" sz="2800" dirty="0" smtClean="0">
                 <a:solidFill>
                   <a:schemeClr val="tx2">
                     <a:lumMod val="60000"/>
@@ -4588,16 +5789,9 @@
                   </a:schemeClr>
                 </a:solidFill>
               </a:rPr>
-              <a:t>Conclusion</a:t>
-            </a:r>
-            <a:endParaRPr lang="en-CA" sz="4000" dirty="0">
-              <a:solidFill>
-                <a:schemeClr val="tx2">
-                  <a:lumMod val="60000"/>
-                  <a:lumOff val="40000"/>
-                </a:schemeClr>
-              </a:solidFill>
-            </a:endParaRPr>
+              <a:t>Cluster 2 – Seedy/Lower End Bars</a:t>
+            </a:r>
+            <a:endParaRPr lang="en-CA" sz="2800" dirty="0"/>
           </a:p>
         </p:txBody>
       </p:sp>
@@ -4613,86 +5807,188 @@
         </p:nvSpPr>
         <p:spPr>
           <a:xfrm>
-            <a:off x="457200" y="1189037"/>
-            <a:ext cx="8229600" cy="5440363"/>
+            <a:off x="457200" y="838200"/>
+            <a:ext cx="8229600" cy="5943600"/>
           </a:xfrm>
         </p:spPr>
         <p:txBody>
           <a:bodyPr>
-            <a:normAutofit fontScale="25000" lnSpcReduction="20000"/>
+            <a:normAutofit/>
           </a:bodyPr>
           <a:lstStyle/>
           <a:p>
-            <a:r>
-              <a:rPr lang="en-CA" sz="9600" dirty="0"/>
-              <a:t>Toronto is a city with a booming economy and thriving neighbourhoods. </a:t>
-            </a:r>
-            <a:endParaRPr lang="en-CA" sz="9600" dirty="0" smtClean="0"/>
-          </a:p>
-          <a:p>
-            <a:endParaRPr lang="en-CA" sz="9600" dirty="0" smtClean="0"/>
-          </a:p>
-          <a:p>
-            <a:r>
-              <a:rPr lang="en-CA" sz="9600" dirty="0" smtClean="0"/>
-              <a:t>Although </a:t>
-            </a:r>
-            <a:r>
-              <a:rPr lang="en-CA" sz="9600" dirty="0"/>
-              <a:t>there are many citizens that could be potential customer, there is already a lot of competition in the bar and entertainment industry. </a:t>
-            </a:r>
-            <a:endParaRPr lang="en-CA" sz="9600" dirty="0" smtClean="0"/>
-          </a:p>
-          <a:p>
-            <a:endParaRPr lang="en-CA" sz="9600" dirty="0" smtClean="0"/>
-          </a:p>
-          <a:p>
-            <a:r>
-              <a:rPr lang="en-CA" sz="9600" dirty="0" smtClean="0"/>
-              <a:t>It </a:t>
-            </a:r>
-            <a:r>
-              <a:rPr lang="en-CA" sz="9600" dirty="0"/>
-              <a:t>is very prudent to analyze the neighbourhoods thoroughly for a location before making any investment in this industry. </a:t>
-            </a:r>
-            <a:endParaRPr lang="en-CA" sz="9600" dirty="0" smtClean="0"/>
-          </a:p>
-          <a:p>
-            <a:endParaRPr lang="en-CA" sz="9600" dirty="0" smtClean="0"/>
-          </a:p>
-          <a:p>
-            <a:r>
-              <a:rPr lang="en-CA" sz="9600" dirty="0" smtClean="0"/>
-              <a:t>The </a:t>
-            </a:r>
-            <a:r>
-              <a:rPr lang="en-CA" sz="9600" dirty="0"/>
-              <a:t>notebook report generated for this problem was successful in performing the analysis required and identified high value neighbourhoods for bar investments. </a:t>
-            </a:r>
-            <a:endParaRPr lang="en-CA" sz="9600" dirty="0" smtClean="0"/>
-          </a:p>
-          <a:p>
-            <a:endParaRPr lang="en-CA" sz="9600" dirty="0" smtClean="0"/>
-          </a:p>
-          <a:p>
-            <a:r>
-              <a:rPr lang="en-CA" sz="9600" dirty="0" smtClean="0"/>
-              <a:t>I </a:t>
-            </a:r>
-            <a:r>
-              <a:rPr lang="en-CA" sz="9600" dirty="0"/>
-              <a:t>highly recommend reviewing the details of this report before investing any capital into a bar in the Toronto area.  </a:t>
-            </a:r>
+            <a:endParaRPr lang="en-CA" sz="1500" dirty="0" smtClean="0"/>
+          </a:p>
+          <a:p>
+            <a:endParaRPr lang="en-CA" sz="1500" dirty="0" smtClean="0"/>
+          </a:p>
+          <a:p>
+            <a:endParaRPr lang="en-CA" sz="1500" dirty="0"/>
+          </a:p>
+          <a:p>
+            <a:endParaRPr lang="en-CA" sz="1500" dirty="0" smtClean="0"/>
+          </a:p>
+          <a:p>
+            <a:endParaRPr lang="en-CA" sz="1500" dirty="0" smtClean="0"/>
+          </a:p>
+          <a:p>
+            <a:endParaRPr lang="en-CA" sz="1500" dirty="0" smtClean="0"/>
+          </a:p>
+          <a:p>
+            <a:pPr marL="0" indent="0" algn="ctr">
+              <a:buNone/>
+            </a:pPr>
+            <a:r>
+              <a:rPr lang="en-CA" sz="2800" dirty="0" smtClean="0">
+                <a:solidFill>
+                  <a:schemeClr val="tx2">
+                    <a:lumMod val="60000"/>
+                    <a:lumOff val="40000"/>
+                  </a:schemeClr>
+                </a:solidFill>
+              </a:rPr>
+              <a:t>Cluster 3 – Live Music Bars</a:t>
+            </a:r>
+            <a:endParaRPr lang="en-CA" sz="2800" dirty="0" smtClean="0"/>
+          </a:p>
+          <a:p>
+            <a:endParaRPr lang="en-CA" sz="1500" dirty="0"/>
+          </a:p>
+          <a:p>
+            <a:endParaRPr lang="en-CA" sz="1500" dirty="0" smtClean="0"/>
+          </a:p>
+          <a:p>
+            <a:endParaRPr lang="en-CA" sz="1500" dirty="0" smtClean="0"/>
+          </a:p>
+          <a:p>
+            <a:endParaRPr lang="en-CA" sz="1500" dirty="0"/>
           </a:p>
           <a:p>
             <a:endParaRPr lang="en-CA" dirty="0"/>
           </a:p>
-        </p:txBody>
-      </p:sp>
+          <a:p>
+            <a:endParaRPr lang="en-CA" dirty="0" smtClean="0"/>
+          </a:p>
+          <a:p>
+            <a:endParaRPr lang="en-CA" dirty="0" smtClean="0"/>
+          </a:p>
+          <a:p>
+            <a:endParaRPr lang="en-CA" dirty="0"/>
+          </a:p>
+        </p:txBody>
+      </p:sp>
+      <p:pic>
+        <p:nvPicPr>
+          <p:cNvPr id="4098" name="Picture 2"/>
+          <p:cNvPicPr>
+            <a:picLocks noChangeAspect="1" noChangeArrowheads="1"/>
+          </p:cNvPicPr>
+          <p:nvPr/>
+        </p:nvPicPr>
+        <p:blipFill>
+          <a:blip r:embed="rId2">
+            <a:extLst>
+              <a:ext uri="{28A0092B-C50C-407E-A947-70E740481C1C}">
+                <a14:useLocalDpi xmlns:a14="http://schemas.microsoft.com/office/drawing/2010/main" val="0"/>
+              </a:ext>
+            </a:extLst>
+          </a:blip>
+          <a:srcRect/>
+          <a:stretch>
+            <a:fillRect/>
+          </a:stretch>
+        </p:blipFill>
+        <p:spPr bwMode="auto">
+          <a:xfrm>
+            <a:off x="823912" y="990600"/>
+            <a:ext cx="7496175" cy="1114425"/>
+          </a:xfrm>
+          <a:prstGeom prst="rect">
+            <a:avLst/>
+          </a:prstGeom>
+          <a:noFill/>
+          <a:ln>
+            <a:noFill/>
+          </a:ln>
+          <a:extLst>
+            <a:ext uri="{909E8E84-426E-40DD-AFC4-6F175D3DCCD1}">
+              <a14:hiddenFill xmlns:a14="http://schemas.microsoft.com/office/drawing/2010/main">
+                <a:solidFill>
+                  <a:schemeClr val="accent1"/>
+                </a:solidFill>
+              </a14:hiddenFill>
+            </a:ext>
+            <a:ext uri="{91240B29-F687-4F45-9708-019B960494DF}">
+              <a14:hiddenLine xmlns:a14="http://schemas.microsoft.com/office/drawing/2010/main" w="9525">
+                <a:solidFill>
+                  <a:schemeClr val="tx1"/>
+                </a:solidFill>
+                <a:miter lim="800000"/>
+                <a:headEnd/>
+                <a:tailEnd/>
+              </a14:hiddenLine>
+            </a:ext>
+          </a:extLst>
+        </p:spPr>
+      </p:pic>
+      <p:pic>
+        <p:nvPicPr>
+          <p:cNvPr id="4099" name="Picture 3"/>
+          <p:cNvPicPr>
+            <a:picLocks noChangeAspect="1" noChangeArrowheads="1"/>
+          </p:cNvPicPr>
+          <p:nvPr/>
+        </p:nvPicPr>
+        <p:blipFill>
+          <a:blip r:embed="rId3">
+            <a:extLst>
+              <a:ext uri="{28A0092B-C50C-407E-A947-70E740481C1C}">
+                <a14:useLocalDpi xmlns:a14="http://schemas.microsoft.com/office/drawing/2010/main" val="0"/>
+              </a:ext>
+            </a:extLst>
+          </a:blip>
+          <a:srcRect/>
+          <a:stretch>
+            <a:fillRect/>
+          </a:stretch>
+        </p:blipFill>
+        <p:spPr bwMode="auto">
+          <a:xfrm>
+            <a:off x="885825" y="3200400"/>
+            <a:ext cx="7419975" cy="3247889"/>
+          </a:xfrm>
+          <a:prstGeom prst="rect">
+            <a:avLst/>
+          </a:prstGeom>
+          <a:noFill/>
+          <a:ln>
+            <a:noFill/>
+          </a:ln>
+          <a:extLst>
+            <a:ext uri="{909E8E84-426E-40DD-AFC4-6F175D3DCCD1}">
+              <a14:hiddenFill xmlns:a14="http://schemas.microsoft.com/office/drawing/2010/main">
+                <a:solidFill>
+                  <a:schemeClr val="accent1"/>
+                </a:solidFill>
+              </a14:hiddenFill>
+            </a:ext>
+            <a:ext uri="{91240B29-F687-4F45-9708-019B960494DF}">
+              <a14:hiddenLine xmlns:a14="http://schemas.microsoft.com/office/drawing/2010/main" w="9525">
+                <a:solidFill>
+                  <a:schemeClr val="tx1"/>
+                </a:solidFill>
+                <a:miter lim="800000"/>
+                <a:headEnd/>
+                <a:tailEnd/>
+              </a14:hiddenLine>
+            </a:ext>
+          </a:extLst>
+        </p:spPr>
+      </p:pic>
     </p:spTree>
     <p:extLst>
       <p:ext uri="{BB962C8B-B14F-4D97-AF65-F5344CB8AC3E}">
-        <p14:creationId xmlns:p14="http://schemas.microsoft.com/office/powerpoint/2010/main" val="3034643240"/>
+        <p14:creationId xmlns:p14="http://schemas.microsoft.com/office/powerpoint/2010/main" val="883887687"/>
       </p:ext>
     </p:extLst>
   </p:cSld>
